--- a/DATS6202_Final_Project_Presentation_NLP_draft.pptx
+++ b/DATS6202_Final_Project_Presentation_NLP_draft.pptx
@@ -7,8 +7,13 @@
   <p:sldIdLst>
     <p:sldId id="256" r:id="rId2"/>
     <p:sldId id="257" r:id="rId3"/>
-    <p:sldId id="259" r:id="rId4"/>
+    <p:sldId id="260" r:id="rId4"/>
     <p:sldId id="258" r:id="rId5"/>
+    <p:sldId id="261" r:id="rId6"/>
+    <p:sldId id="264" r:id="rId7"/>
+    <p:sldId id="265" r:id="rId8"/>
+    <p:sldId id="262" r:id="rId9"/>
+    <p:sldId id="263" r:id="rId10"/>
   </p:sldIdLst>
   <p:sldSz cx="12192000" cy="6858000"/>
   <p:notesSz cx="6858000" cy="9144000"/>
@@ -282,7 +287,7 @@
           <a:p>
             <a:fld id="{D341B595-366B-43E2-A22E-EA6A78C03F06}" type="datetimeFigureOut">
               <a:rPr lang="en-US" smtClean="0"/>
-              <a:t>6/22/2023</a:t>
+              <a:t>6/27/23</a:t>
             </a:fld>
             <a:endParaRPr lang="en-US"/>
           </a:p>
@@ -480,7 +485,7 @@
           <a:p>
             <a:fld id="{D341B595-366B-43E2-A22E-EA6A78C03F06}" type="datetimeFigureOut">
               <a:rPr lang="en-US" smtClean="0"/>
-              <a:t>6/22/2023</a:t>
+              <a:t>6/27/23</a:t>
             </a:fld>
             <a:endParaRPr lang="en-US"/>
           </a:p>
@@ -689,7 +694,7 @@
           <a:p>
             <a:fld id="{D341B595-366B-43E2-A22E-EA6A78C03F06}" type="datetimeFigureOut">
               <a:rPr lang="en-US" smtClean="0"/>
-              <a:t>6/22/2023</a:t>
+              <a:t>6/27/23</a:t>
             </a:fld>
             <a:endParaRPr lang="en-US"/>
           </a:p>
@@ -887,7 +892,7 @@
           <a:p>
             <a:fld id="{D341B595-366B-43E2-A22E-EA6A78C03F06}" type="datetimeFigureOut">
               <a:rPr lang="en-US" smtClean="0"/>
-              <a:t>6/22/2023</a:t>
+              <a:t>6/27/23</a:t>
             </a:fld>
             <a:endParaRPr lang="en-US"/>
           </a:p>
@@ -1165,7 +1170,7 @@
           <a:p>
             <a:fld id="{D341B595-366B-43E2-A22E-EA6A78C03F06}" type="datetimeFigureOut">
               <a:rPr lang="en-US" smtClean="0"/>
-              <a:t>6/22/2023</a:t>
+              <a:t>6/27/23</a:t>
             </a:fld>
             <a:endParaRPr lang="en-US"/>
           </a:p>
@@ -1433,7 +1438,7 @@
           <a:p>
             <a:fld id="{D341B595-366B-43E2-A22E-EA6A78C03F06}" type="datetimeFigureOut">
               <a:rPr lang="en-US" smtClean="0"/>
-              <a:t>6/22/2023</a:t>
+              <a:t>6/27/23</a:t>
             </a:fld>
             <a:endParaRPr lang="en-US"/>
           </a:p>
@@ -1852,7 +1857,7 @@
           <a:p>
             <a:fld id="{D341B595-366B-43E2-A22E-EA6A78C03F06}" type="datetimeFigureOut">
               <a:rPr lang="en-US" smtClean="0"/>
-              <a:t>6/22/2023</a:t>
+              <a:t>6/27/23</a:t>
             </a:fld>
             <a:endParaRPr lang="en-US"/>
           </a:p>
@@ -1993,7 +1998,7 @@
           <a:p>
             <a:fld id="{D341B595-366B-43E2-A22E-EA6A78C03F06}" type="datetimeFigureOut">
               <a:rPr lang="en-US" smtClean="0"/>
-              <a:t>6/22/2023</a:t>
+              <a:t>6/27/23</a:t>
             </a:fld>
             <a:endParaRPr lang="en-US"/>
           </a:p>
@@ -2106,7 +2111,7 @@
           <a:p>
             <a:fld id="{D341B595-366B-43E2-A22E-EA6A78C03F06}" type="datetimeFigureOut">
               <a:rPr lang="en-US" smtClean="0"/>
-              <a:t>6/22/2023</a:t>
+              <a:t>6/27/23</a:t>
             </a:fld>
             <a:endParaRPr lang="en-US"/>
           </a:p>
@@ -2421,7 +2426,7 @@
           <a:p>
             <a:fld id="{D341B595-366B-43E2-A22E-EA6A78C03F06}" type="datetimeFigureOut">
               <a:rPr lang="en-US" smtClean="0"/>
-              <a:t>6/22/2023</a:t>
+              <a:t>6/27/23</a:t>
             </a:fld>
             <a:endParaRPr lang="en-US"/>
           </a:p>
@@ -2715,7 +2720,7 @@
           <a:p>
             <a:fld id="{D341B595-366B-43E2-A22E-EA6A78C03F06}" type="datetimeFigureOut">
               <a:rPr lang="en-US" smtClean="0"/>
-              <a:t>6/22/2023</a:t>
+              <a:t>6/27/23</a:t>
             </a:fld>
             <a:endParaRPr lang="en-US"/>
           </a:p>
@@ -2955,7 +2960,7 @@
           <a:p>
             <a:fld id="{D341B595-366B-43E2-A22E-EA6A78C03F06}" type="datetimeFigureOut">
               <a:rPr lang="en-US" smtClean="0"/>
-              <a:t>6/22/2023</a:t>
+              <a:t>6/27/23</a:t>
             </a:fld>
             <a:endParaRPr lang="en-US"/>
           </a:p>
@@ -3912,6 +3917,15 @@
               <a:t>Improvements</a:t>
             </a:r>
           </a:p>
+          <a:p>
+            <a:pPr marL="457200" indent="-457200">
+              <a:buAutoNum type="arabicPeriod"/>
+            </a:pPr>
+            <a:r>
+              <a:rPr lang="en-US" dirty="0"/>
+              <a:t>References</a:t>
+            </a:r>
+          </a:p>
         </p:txBody>
       </p:sp>
     </p:spTree>
@@ -3960,9 +3974,16 @@
             <p:ph type="title"/>
           </p:nvPr>
         </p:nvSpPr>
-        <p:spPr/>
-        <p:txBody>
-          <a:bodyPr/>
+        <p:spPr>
+          <a:xfrm>
+            <a:off x="647997" y="407574"/>
+            <a:ext cx="10625229" cy="562122"/>
+          </a:xfrm>
+        </p:spPr>
+        <p:txBody>
+          <a:bodyPr>
+            <a:normAutofit fontScale="90000"/>
+          </a:bodyPr>
           <a:lstStyle/>
           <a:p>
             <a:r>
@@ -3974,25 +3995,833 @@
       </p:sp>
       <p:sp>
         <p:nvSpPr>
+          <p:cNvPr id="7" name="Content Placeholder 2">
+            <a:extLst>
+              <a:ext uri="{FF2B5EF4-FFF2-40B4-BE49-F238E27FC236}">
+                <a16:creationId xmlns:a16="http://schemas.microsoft.com/office/drawing/2014/main" id="{073A3F8B-05C0-2E59-12AB-3DA382E2BACD}"/>
+              </a:ext>
+            </a:extLst>
+          </p:cNvPr>
+          <p:cNvSpPr>
+            <a:spLocks noGrp="1"/>
+          </p:cNvSpPr>
+          <p:nvPr>
+            <p:ph idx="1"/>
+          </p:nvPr>
+        </p:nvSpPr>
+        <p:spPr>
+          <a:xfrm>
+            <a:off x="8662831" y="6222125"/>
+            <a:ext cx="3433542" cy="562122"/>
+          </a:xfrm>
+        </p:spPr>
+        <p:txBody>
+          <a:bodyPr>
+            <a:normAutofit/>
+          </a:bodyPr>
+          <a:lstStyle/>
+          <a:p>
+            <a:pPr marL="0" indent="0">
+              <a:buNone/>
+            </a:pPr>
+            <a:r>
+              <a:rPr lang="en-US" sz="1200" dirty="0"/>
+              <a:t>Figure 1: Kaggle Competition: Natural Language Processing with Disaster Tweet</a:t>
+            </a:r>
+          </a:p>
+        </p:txBody>
+      </p:sp>
+      <p:sp>
+        <p:nvSpPr>
+          <p:cNvPr id="8" name="Content Placeholder 2">
+            <a:extLst>
+              <a:ext uri="{FF2B5EF4-FFF2-40B4-BE49-F238E27FC236}">
+                <a16:creationId xmlns:a16="http://schemas.microsoft.com/office/drawing/2014/main" id="{474D4EDC-6FC8-5911-9E03-8957B2A7B447}"/>
+              </a:ext>
+            </a:extLst>
+          </p:cNvPr>
+          <p:cNvSpPr txBox="1">
+            <a:spLocks/>
+          </p:cNvSpPr>
+          <p:nvPr/>
+        </p:nvSpPr>
+        <p:spPr>
+          <a:xfrm>
+            <a:off x="647997" y="1224643"/>
+            <a:ext cx="6821215" cy="2128157"/>
+          </a:xfrm>
+          <a:prstGeom prst="rect">
+            <a:avLst/>
+          </a:prstGeom>
+        </p:spPr>
+        <p:txBody>
+          <a:bodyPr vert="horz" lIns="91440" tIns="45720" rIns="91440" bIns="45720" rtlCol="0">
+            <a:normAutofit/>
+          </a:bodyPr>
+          <a:lstStyle>
+            <a:lvl1pPr marL="228600" indent="-228600" algn="l" defTabSz="914400" rtl="0" eaLnBrk="1" latinLnBrk="0" hangingPunct="1">
+              <a:lnSpc>
+                <a:spcPct val="120000"/>
+              </a:lnSpc>
+              <a:spcBef>
+                <a:spcPts val="1000"/>
+              </a:spcBef>
+              <a:buClr>
+                <a:schemeClr val="tx1"/>
+              </a:buClr>
+              <a:buSzPct val="75000"/>
+              <a:buFont typeface="Arial" panose="020B0604020202020204" pitchFamily="34" charset="0"/>
+              <a:buChar char="•"/>
+              <a:defRPr sz="2000" kern="1200">
+                <a:solidFill>
+                  <a:schemeClr val="tx1"/>
+                </a:solidFill>
+                <a:latin typeface="+mn-lt"/>
+                <a:ea typeface="+mn-ea"/>
+                <a:cs typeface="+mn-cs"/>
+              </a:defRPr>
+            </a:lvl1pPr>
+            <a:lvl2pPr marL="685800" indent="-228600" algn="l" defTabSz="914400" rtl="0" eaLnBrk="1" latinLnBrk="0" hangingPunct="1">
+              <a:lnSpc>
+                <a:spcPct val="120000"/>
+              </a:lnSpc>
+              <a:spcBef>
+                <a:spcPts val="500"/>
+              </a:spcBef>
+              <a:buClr>
+                <a:schemeClr val="tx1"/>
+              </a:buClr>
+              <a:buSzPct val="75000"/>
+              <a:buFont typeface="Arial" panose="020B0604020202020204" pitchFamily="34" charset="0"/>
+              <a:buChar char="•"/>
+              <a:defRPr sz="1800" kern="1200">
+                <a:solidFill>
+                  <a:schemeClr val="tx1"/>
+                </a:solidFill>
+                <a:latin typeface="+mn-lt"/>
+                <a:ea typeface="+mn-ea"/>
+                <a:cs typeface="+mn-cs"/>
+              </a:defRPr>
+            </a:lvl2pPr>
+            <a:lvl3pPr marL="1143000" indent="-228600" algn="l" defTabSz="914400" rtl="0" eaLnBrk="1" latinLnBrk="0" hangingPunct="1">
+              <a:lnSpc>
+                <a:spcPct val="120000"/>
+              </a:lnSpc>
+              <a:spcBef>
+                <a:spcPts val="500"/>
+              </a:spcBef>
+              <a:buClr>
+                <a:schemeClr val="tx1"/>
+              </a:buClr>
+              <a:buSzPct val="75000"/>
+              <a:buFont typeface="Arial" panose="020B0604020202020204" pitchFamily="34" charset="0"/>
+              <a:buChar char="•"/>
+              <a:defRPr sz="1600" kern="1200">
+                <a:solidFill>
+                  <a:schemeClr val="tx1"/>
+                </a:solidFill>
+                <a:latin typeface="+mn-lt"/>
+                <a:ea typeface="+mn-ea"/>
+                <a:cs typeface="+mn-cs"/>
+              </a:defRPr>
+            </a:lvl3pPr>
+            <a:lvl4pPr marL="1600200" indent="-228600" algn="l" defTabSz="914400" rtl="0" eaLnBrk="1" latinLnBrk="0" hangingPunct="1">
+              <a:lnSpc>
+                <a:spcPct val="120000"/>
+              </a:lnSpc>
+              <a:spcBef>
+                <a:spcPts val="500"/>
+              </a:spcBef>
+              <a:buClr>
+                <a:schemeClr val="tx1"/>
+              </a:buClr>
+              <a:buSzPct val="75000"/>
+              <a:buFont typeface="Arial" panose="020B0604020202020204" pitchFamily="34" charset="0"/>
+              <a:buChar char="•"/>
+              <a:defRPr sz="1400" kern="1200">
+                <a:solidFill>
+                  <a:schemeClr val="tx1"/>
+                </a:solidFill>
+                <a:latin typeface="+mn-lt"/>
+                <a:ea typeface="+mn-ea"/>
+                <a:cs typeface="+mn-cs"/>
+              </a:defRPr>
+            </a:lvl4pPr>
+            <a:lvl5pPr marL="2057400" indent="-228600" algn="l" defTabSz="914400" rtl="0" eaLnBrk="1" latinLnBrk="0" hangingPunct="1">
+              <a:lnSpc>
+                <a:spcPct val="120000"/>
+              </a:lnSpc>
+              <a:spcBef>
+                <a:spcPts val="500"/>
+              </a:spcBef>
+              <a:buClr>
+                <a:schemeClr val="tx1"/>
+              </a:buClr>
+              <a:buSzPct val="75000"/>
+              <a:buFont typeface="Arial" panose="020B0604020202020204" pitchFamily="34" charset="0"/>
+              <a:buChar char="•"/>
+              <a:defRPr sz="1400" kern="1200">
+                <a:solidFill>
+                  <a:schemeClr val="tx1"/>
+                </a:solidFill>
+                <a:latin typeface="+mn-lt"/>
+                <a:ea typeface="+mn-ea"/>
+                <a:cs typeface="+mn-cs"/>
+              </a:defRPr>
+            </a:lvl5pPr>
+            <a:lvl6pPr marL="2514600" indent="-228600" algn="l" defTabSz="914400" rtl="0" eaLnBrk="1" latinLnBrk="0" hangingPunct="1">
+              <a:lnSpc>
+                <a:spcPct val="90000"/>
+              </a:lnSpc>
+              <a:spcBef>
+                <a:spcPts val="500"/>
+              </a:spcBef>
+              <a:buFont typeface="Arial" panose="020B0604020202020204" pitchFamily="34" charset="0"/>
+              <a:buChar char="•"/>
+              <a:defRPr sz="1800" kern="1200">
+                <a:solidFill>
+                  <a:schemeClr val="tx1"/>
+                </a:solidFill>
+                <a:latin typeface="+mn-lt"/>
+                <a:ea typeface="+mn-ea"/>
+                <a:cs typeface="+mn-cs"/>
+              </a:defRPr>
+            </a:lvl6pPr>
+            <a:lvl7pPr marL="2971800" indent="-228600" algn="l" defTabSz="914400" rtl="0" eaLnBrk="1" latinLnBrk="0" hangingPunct="1">
+              <a:lnSpc>
+                <a:spcPct val="90000"/>
+              </a:lnSpc>
+              <a:spcBef>
+                <a:spcPts val="500"/>
+              </a:spcBef>
+              <a:buFont typeface="Arial" panose="020B0604020202020204" pitchFamily="34" charset="0"/>
+              <a:buChar char="•"/>
+              <a:defRPr sz="1800" kern="1200">
+                <a:solidFill>
+                  <a:schemeClr val="tx1"/>
+                </a:solidFill>
+                <a:latin typeface="+mn-lt"/>
+                <a:ea typeface="+mn-ea"/>
+                <a:cs typeface="+mn-cs"/>
+              </a:defRPr>
+            </a:lvl7pPr>
+            <a:lvl8pPr marL="3429000" indent="-228600" algn="l" defTabSz="914400" rtl="0" eaLnBrk="1" latinLnBrk="0" hangingPunct="1">
+              <a:lnSpc>
+                <a:spcPct val="90000"/>
+              </a:lnSpc>
+              <a:spcBef>
+                <a:spcPts val="500"/>
+              </a:spcBef>
+              <a:buFont typeface="Arial" panose="020B0604020202020204" pitchFamily="34" charset="0"/>
+              <a:buChar char="•"/>
+              <a:defRPr sz="1800" kern="1200">
+                <a:solidFill>
+                  <a:schemeClr val="tx1"/>
+                </a:solidFill>
+                <a:latin typeface="+mn-lt"/>
+                <a:ea typeface="+mn-ea"/>
+                <a:cs typeface="+mn-cs"/>
+              </a:defRPr>
+            </a:lvl8pPr>
+            <a:lvl9pPr marL="3886200" indent="-228600" algn="l" defTabSz="914400" rtl="0" eaLnBrk="1" latinLnBrk="0" hangingPunct="1">
+              <a:lnSpc>
+                <a:spcPct val="90000"/>
+              </a:lnSpc>
+              <a:spcBef>
+                <a:spcPts val="500"/>
+              </a:spcBef>
+              <a:buFont typeface="Arial" panose="020B0604020202020204" pitchFamily="34" charset="0"/>
+              <a:buChar char="•"/>
+              <a:defRPr sz="1800" kern="1200">
+                <a:solidFill>
+                  <a:schemeClr val="tx1"/>
+                </a:solidFill>
+                <a:latin typeface="+mn-lt"/>
+                <a:ea typeface="+mn-ea"/>
+                <a:cs typeface="+mn-cs"/>
+              </a:defRPr>
+            </a:lvl9pPr>
+          </a:lstStyle>
+          <a:p>
+            <a:pPr>
+              <a:buFontTx/>
+              <a:buChar char="-"/>
+            </a:pPr>
+            <a:r>
+              <a:rPr lang="en-US" dirty="0">
+                <a:hlinkClick r:id="rId2"/>
+              </a:rPr>
+              <a:t>Disaster Tweets Datasets</a:t>
+            </a:r>
+            <a:endParaRPr lang="en-US" dirty="0"/>
+          </a:p>
+          <a:p>
+            <a:pPr lvl="1">
+              <a:buFontTx/>
+              <a:buChar char="-"/>
+            </a:pPr>
+            <a:r>
+              <a:rPr lang="en-US" dirty="0"/>
+              <a:t>Features: 3 main features for each Tweet (Text, Keywords, and Location)</a:t>
+            </a:r>
+          </a:p>
+          <a:p>
+            <a:pPr lvl="1">
+              <a:buFontTx/>
+              <a:buChar char="-"/>
+            </a:pPr>
+            <a:r>
+              <a:rPr lang="en-US" dirty="0"/>
+              <a:t>Target: Binary Class label denotes whether a tweet is about a real disaster (1) or not (0)</a:t>
+            </a:r>
+          </a:p>
+          <a:p>
+            <a:pPr lvl="1">
+              <a:buFontTx/>
+              <a:buChar char="-"/>
+            </a:pPr>
+            <a:endParaRPr lang="en-US" dirty="0"/>
+          </a:p>
+          <a:p>
+            <a:pPr lvl="1">
+              <a:buFontTx/>
+              <a:buChar char="-"/>
+            </a:pPr>
+            <a:endParaRPr lang="en-US" dirty="0"/>
+          </a:p>
+        </p:txBody>
+      </p:sp>
+      <p:pic>
+        <p:nvPicPr>
+          <p:cNvPr id="2050" name="Picture 2">
+            <a:extLst>
+              <a:ext uri="{FF2B5EF4-FFF2-40B4-BE49-F238E27FC236}">
+                <a16:creationId xmlns:a16="http://schemas.microsoft.com/office/drawing/2014/main" id="{8F10EE92-F88C-D4EE-111E-CF67960D444C}"/>
+              </a:ext>
+            </a:extLst>
+          </p:cNvPr>
+          <p:cNvPicPr>
+            <a:picLocks noChangeAspect="1" noChangeArrowheads="1"/>
+          </p:cNvPicPr>
+          <p:nvPr/>
+        </p:nvPicPr>
+        <p:blipFill>
+          <a:blip r:embed="rId3">
+            <a:extLst>
+              <a:ext uri="{28A0092B-C50C-407E-A947-70E740481C1C}">
+                <a14:useLocalDpi xmlns:a14="http://schemas.microsoft.com/office/drawing/2010/main" val="0"/>
+              </a:ext>
+            </a:extLst>
+          </a:blip>
+          <a:srcRect/>
+          <a:stretch>
+            <a:fillRect/>
+          </a:stretch>
+        </p:blipFill>
+        <p:spPr bwMode="auto">
+          <a:xfrm>
+            <a:off x="8957117" y="875102"/>
+            <a:ext cx="2531168" cy="5241919"/>
+          </a:xfrm>
+          <a:prstGeom prst="rect">
+            <a:avLst/>
+          </a:prstGeom>
+          <a:noFill/>
+          <a:extLst>
+            <a:ext uri="{909E8E84-426E-40DD-AFC4-6F175D3DCCD1}">
+              <a14:hiddenFill xmlns:a14="http://schemas.microsoft.com/office/drawing/2010/main">
+                <a:solidFill>
+                  <a:srgbClr val="FFFFFF"/>
+                </a:solidFill>
+              </a14:hiddenFill>
+            </a:ext>
+          </a:extLst>
+        </p:spPr>
+      </p:pic>
+      <p:sp>
+        <p:nvSpPr>
           <p:cNvPr id="3" name="Content Placeholder 2">
             <a:extLst>
               <a:ext uri="{FF2B5EF4-FFF2-40B4-BE49-F238E27FC236}">
-                <a16:creationId xmlns:a16="http://schemas.microsoft.com/office/drawing/2014/main" id="{7042ADC2-80C5-BDC4-529A-705F8A93C53E}"/>
-              </a:ext>
-            </a:extLst>
-          </p:cNvPr>
-          <p:cNvSpPr>
-            <a:spLocks noGrp="1"/>
-          </p:cNvSpPr>
-          <p:nvPr>
-            <p:ph idx="1"/>
-          </p:nvPr>
-        </p:nvSpPr>
-        <p:spPr/>
-        <p:txBody>
-          <a:bodyPr/>
-          <a:lstStyle/>
-          <a:p>
+                <a16:creationId xmlns:a16="http://schemas.microsoft.com/office/drawing/2014/main" id="{0A040C1C-C191-B31E-A9A0-3120F331FC21}"/>
+              </a:ext>
+            </a:extLst>
+          </p:cNvPr>
+          <p:cNvSpPr txBox="1">
+            <a:spLocks/>
+          </p:cNvSpPr>
+          <p:nvPr/>
+        </p:nvSpPr>
+        <p:spPr>
+          <a:xfrm>
+            <a:off x="647997" y="5720138"/>
+            <a:ext cx="6821215" cy="972018"/>
+          </a:xfrm>
+          <a:prstGeom prst="rect">
+            <a:avLst/>
+          </a:prstGeom>
+        </p:spPr>
+        <p:txBody>
+          <a:bodyPr vert="horz" lIns="91440" tIns="45720" rIns="91440" bIns="45720" rtlCol="0">
+            <a:normAutofit/>
+          </a:bodyPr>
+          <a:lstStyle>
+            <a:lvl1pPr marL="228600" indent="-228600" algn="l" defTabSz="914400" rtl="0" eaLnBrk="1" latinLnBrk="0" hangingPunct="1">
+              <a:lnSpc>
+                <a:spcPct val="120000"/>
+              </a:lnSpc>
+              <a:spcBef>
+                <a:spcPts val="1000"/>
+              </a:spcBef>
+              <a:buClr>
+                <a:schemeClr val="tx1"/>
+              </a:buClr>
+              <a:buSzPct val="75000"/>
+              <a:buFont typeface="Arial" panose="020B0604020202020204" pitchFamily="34" charset="0"/>
+              <a:buChar char="•"/>
+              <a:defRPr sz="2000" kern="1200">
+                <a:solidFill>
+                  <a:schemeClr val="tx1"/>
+                </a:solidFill>
+                <a:latin typeface="+mn-lt"/>
+                <a:ea typeface="+mn-ea"/>
+                <a:cs typeface="+mn-cs"/>
+              </a:defRPr>
+            </a:lvl1pPr>
+            <a:lvl2pPr marL="685800" indent="-228600" algn="l" defTabSz="914400" rtl="0" eaLnBrk="1" latinLnBrk="0" hangingPunct="1">
+              <a:lnSpc>
+                <a:spcPct val="120000"/>
+              </a:lnSpc>
+              <a:spcBef>
+                <a:spcPts val="500"/>
+              </a:spcBef>
+              <a:buClr>
+                <a:schemeClr val="tx1"/>
+              </a:buClr>
+              <a:buSzPct val="75000"/>
+              <a:buFont typeface="Arial" panose="020B0604020202020204" pitchFamily="34" charset="0"/>
+              <a:buChar char="•"/>
+              <a:defRPr sz="1800" kern="1200">
+                <a:solidFill>
+                  <a:schemeClr val="tx1"/>
+                </a:solidFill>
+                <a:latin typeface="+mn-lt"/>
+                <a:ea typeface="+mn-ea"/>
+                <a:cs typeface="+mn-cs"/>
+              </a:defRPr>
+            </a:lvl2pPr>
+            <a:lvl3pPr marL="1143000" indent="-228600" algn="l" defTabSz="914400" rtl="0" eaLnBrk="1" latinLnBrk="0" hangingPunct="1">
+              <a:lnSpc>
+                <a:spcPct val="120000"/>
+              </a:lnSpc>
+              <a:spcBef>
+                <a:spcPts val="500"/>
+              </a:spcBef>
+              <a:buClr>
+                <a:schemeClr val="tx1"/>
+              </a:buClr>
+              <a:buSzPct val="75000"/>
+              <a:buFont typeface="Arial" panose="020B0604020202020204" pitchFamily="34" charset="0"/>
+              <a:buChar char="•"/>
+              <a:defRPr sz="1600" kern="1200">
+                <a:solidFill>
+                  <a:schemeClr val="tx1"/>
+                </a:solidFill>
+                <a:latin typeface="+mn-lt"/>
+                <a:ea typeface="+mn-ea"/>
+                <a:cs typeface="+mn-cs"/>
+              </a:defRPr>
+            </a:lvl3pPr>
+            <a:lvl4pPr marL="1600200" indent="-228600" algn="l" defTabSz="914400" rtl="0" eaLnBrk="1" latinLnBrk="0" hangingPunct="1">
+              <a:lnSpc>
+                <a:spcPct val="120000"/>
+              </a:lnSpc>
+              <a:spcBef>
+                <a:spcPts val="500"/>
+              </a:spcBef>
+              <a:buClr>
+                <a:schemeClr val="tx1"/>
+              </a:buClr>
+              <a:buSzPct val="75000"/>
+              <a:buFont typeface="Arial" panose="020B0604020202020204" pitchFamily="34" charset="0"/>
+              <a:buChar char="•"/>
+              <a:defRPr sz="1400" kern="1200">
+                <a:solidFill>
+                  <a:schemeClr val="tx1"/>
+                </a:solidFill>
+                <a:latin typeface="+mn-lt"/>
+                <a:ea typeface="+mn-ea"/>
+                <a:cs typeface="+mn-cs"/>
+              </a:defRPr>
+            </a:lvl4pPr>
+            <a:lvl5pPr marL="2057400" indent="-228600" algn="l" defTabSz="914400" rtl="0" eaLnBrk="1" latinLnBrk="0" hangingPunct="1">
+              <a:lnSpc>
+                <a:spcPct val="120000"/>
+              </a:lnSpc>
+              <a:spcBef>
+                <a:spcPts val="500"/>
+              </a:spcBef>
+              <a:buClr>
+                <a:schemeClr val="tx1"/>
+              </a:buClr>
+              <a:buSzPct val="75000"/>
+              <a:buFont typeface="Arial" panose="020B0604020202020204" pitchFamily="34" charset="0"/>
+              <a:buChar char="•"/>
+              <a:defRPr sz="1400" kern="1200">
+                <a:solidFill>
+                  <a:schemeClr val="tx1"/>
+                </a:solidFill>
+                <a:latin typeface="+mn-lt"/>
+                <a:ea typeface="+mn-ea"/>
+                <a:cs typeface="+mn-cs"/>
+              </a:defRPr>
+            </a:lvl5pPr>
+            <a:lvl6pPr marL="2514600" indent="-228600" algn="l" defTabSz="914400" rtl="0" eaLnBrk="1" latinLnBrk="0" hangingPunct="1">
+              <a:lnSpc>
+                <a:spcPct val="90000"/>
+              </a:lnSpc>
+              <a:spcBef>
+                <a:spcPts val="500"/>
+              </a:spcBef>
+              <a:buFont typeface="Arial" panose="020B0604020202020204" pitchFamily="34" charset="0"/>
+              <a:buChar char="•"/>
+              <a:defRPr sz="1800" kern="1200">
+                <a:solidFill>
+                  <a:schemeClr val="tx1"/>
+                </a:solidFill>
+                <a:latin typeface="+mn-lt"/>
+                <a:ea typeface="+mn-ea"/>
+                <a:cs typeface="+mn-cs"/>
+              </a:defRPr>
+            </a:lvl6pPr>
+            <a:lvl7pPr marL="2971800" indent="-228600" algn="l" defTabSz="914400" rtl="0" eaLnBrk="1" latinLnBrk="0" hangingPunct="1">
+              <a:lnSpc>
+                <a:spcPct val="90000"/>
+              </a:lnSpc>
+              <a:spcBef>
+                <a:spcPts val="500"/>
+              </a:spcBef>
+              <a:buFont typeface="Arial" panose="020B0604020202020204" pitchFamily="34" charset="0"/>
+              <a:buChar char="•"/>
+              <a:defRPr sz="1800" kern="1200">
+                <a:solidFill>
+                  <a:schemeClr val="tx1"/>
+                </a:solidFill>
+                <a:latin typeface="+mn-lt"/>
+                <a:ea typeface="+mn-ea"/>
+                <a:cs typeface="+mn-cs"/>
+              </a:defRPr>
+            </a:lvl7pPr>
+            <a:lvl8pPr marL="3429000" indent="-228600" algn="l" defTabSz="914400" rtl="0" eaLnBrk="1" latinLnBrk="0" hangingPunct="1">
+              <a:lnSpc>
+                <a:spcPct val="90000"/>
+              </a:lnSpc>
+              <a:spcBef>
+                <a:spcPts val="500"/>
+              </a:spcBef>
+              <a:buFont typeface="Arial" panose="020B0604020202020204" pitchFamily="34" charset="0"/>
+              <a:buChar char="•"/>
+              <a:defRPr sz="1800" kern="1200">
+                <a:solidFill>
+                  <a:schemeClr val="tx1"/>
+                </a:solidFill>
+                <a:latin typeface="+mn-lt"/>
+                <a:ea typeface="+mn-ea"/>
+                <a:cs typeface="+mn-cs"/>
+              </a:defRPr>
+            </a:lvl8pPr>
+            <a:lvl9pPr marL="3886200" indent="-228600" algn="l" defTabSz="914400" rtl="0" eaLnBrk="1" latinLnBrk="0" hangingPunct="1">
+              <a:lnSpc>
+                <a:spcPct val="90000"/>
+              </a:lnSpc>
+              <a:spcBef>
+                <a:spcPts val="500"/>
+              </a:spcBef>
+              <a:buFont typeface="Arial" panose="020B0604020202020204" pitchFamily="34" charset="0"/>
+              <a:buChar char="•"/>
+              <a:defRPr sz="1800" kern="1200">
+                <a:solidFill>
+                  <a:schemeClr val="tx1"/>
+                </a:solidFill>
+                <a:latin typeface="+mn-lt"/>
+                <a:ea typeface="+mn-ea"/>
+                <a:cs typeface="+mn-cs"/>
+              </a:defRPr>
+            </a:lvl9pPr>
+          </a:lstStyle>
+          <a:p>
+            <a:pPr marL="0" indent="0">
+              <a:buNone/>
+            </a:pPr>
+            <a:r>
+              <a:rPr lang="en-US" dirty="0"/>
+              <a:t>- The goal of this Kaggle Competition is using the features to predict the tweet is about a real disaster or not.</a:t>
+            </a:r>
+          </a:p>
+          <a:p>
+            <a:pPr lvl="1">
+              <a:buFontTx/>
+              <a:buChar char="-"/>
+            </a:pPr>
+            <a:endParaRPr lang="en-US" dirty="0"/>
+          </a:p>
+        </p:txBody>
+      </p:sp>
+      <p:pic>
+        <p:nvPicPr>
+          <p:cNvPr id="4" name="Picture 3">
+            <a:extLst>
+              <a:ext uri="{FF2B5EF4-FFF2-40B4-BE49-F238E27FC236}">
+                <a16:creationId xmlns:a16="http://schemas.microsoft.com/office/drawing/2014/main" id="{4C669A0A-E295-AD30-FB7E-039AE108014B}"/>
+              </a:ext>
+            </a:extLst>
+          </p:cNvPr>
+          <p:cNvPicPr>
+            <a:picLocks noChangeAspect="1"/>
+          </p:cNvPicPr>
+          <p:nvPr/>
+        </p:nvPicPr>
+        <p:blipFill>
+          <a:blip r:embed="rId4"/>
+          <a:stretch>
+            <a:fillRect/>
+          </a:stretch>
+        </p:blipFill>
+        <p:spPr>
+          <a:xfrm>
+            <a:off x="1641146" y="3650191"/>
+            <a:ext cx="5379764" cy="1817611"/>
+          </a:xfrm>
+          <a:prstGeom prst="rect">
+            <a:avLst/>
+          </a:prstGeom>
+        </p:spPr>
+      </p:pic>
+      <p:sp>
+        <p:nvSpPr>
+          <p:cNvPr id="5" name="Content Placeholder 2">
+            <a:extLst>
+              <a:ext uri="{FF2B5EF4-FFF2-40B4-BE49-F238E27FC236}">
+                <a16:creationId xmlns:a16="http://schemas.microsoft.com/office/drawing/2014/main" id="{AE4C25F3-3D54-9E8B-E694-38B24E6D8533}"/>
+              </a:ext>
+            </a:extLst>
+          </p:cNvPr>
+          <p:cNvSpPr txBox="1">
+            <a:spLocks/>
+          </p:cNvSpPr>
+          <p:nvPr/>
+        </p:nvSpPr>
+        <p:spPr>
+          <a:xfrm>
+            <a:off x="873123" y="3260701"/>
+            <a:ext cx="6821215" cy="370623"/>
+          </a:xfrm>
+          <a:prstGeom prst="rect">
+            <a:avLst/>
+          </a:prstGeom>
+        </p:spPr>
+        <p:txBody>
+          <a:bodyPr vert="horz" lIns="91440" tIns="45720" rIns="91440" bIns="45720" rtlCol="0">
+            <a:normAutofit/>
+          </a:bodyPr>
+          <a:lstStyle>
+            <a:lvl1pPr marL="228600" indent="-228600" algn="l" defTabSz="914400" rtl="0" eaLnBrk="1" latinLnBrk="0" hangingPunct="1">
+              <a:lnSpc>
+                <a:spcPct val="120000"/>
+              </a:lnSpc>
+              <a:spcBef>
+                <a:spcPts val="1000"/>
+              </a:spcBef>
+              <a:buClr>
+                <a:schemeClr val="tx1"/>
+              </a:buClr>
+              <a:buSzPct val="75000"/>
+              <a:buFont typeface="Arial" panose="020B0604020202020204" pitchFamily="34" charset="0"/>
+              <a:buChar char="•"/>
+              <a:defRPr sz="2000" kern="1200">
+                <a:solidFill>
+                  <a:schemeClr val="tx1"/>
+                </a:solidFill>
+                <a:latin typeface="+mn-lt"/>
+                <a:ea typeface="+mn-ea"/>
+                <a:cs typeface="+mn-cs"/>
+              </a:defRPr>
+            </a:lvl1pPr>
+            <a:lvl2pPr marL="685800" indent="-228600" algn="l" defTabSz="914400" rtl="0" eaLnBrk="1" latinLnBrk="0" hangingPunct="1">
+              <a:lnSpc>
+                <a:spcPct val="120000"/>
+              </a:lnSpc>
+              <a:spcBef>
+                <a:spcPts val="500"/>
+              </a:spcBef>
+              <a:buClr>
+                <a:schemeClr val="tx1"/>
+              </a:buClr>
+              <a:buSzPct val="75000"/>
+              <a:buFont typeface="Arial" panose="020B0604020202020204" pitchFamily="34" charset="0"/>
+              <a:buChar char="•"/>
+              <a:defRPr sz="1800" kern="1200">
+                <a:solidFill>
+                  <a:schemeClr val="tx1"/>
+                </a:solidFill>
+                <a:latin typeface="+mn-lt"/>
+                <a:ea typeface="+mn-ea"/>
+                <a:cs typeface="+mn-cs"/>
+              </a:defRPr>
+            </a:lvl2pPr>
+            <a:lvl3pPr marL="1143000" indent="-228600" algn="l" defTabSz="914400" rtl="0" eaLnBrk="1" latinLnBrk="0" hangingPunct="1">
+              <a:lnSpc>
+                <a:spcPct val="120000"/>
+              </a:lnSpc>
+              <a:spcBef>
+                <a:spcPts val="500"/>
+              </a:spcBef>
+              <a:buClr>
+                <a:schemeClr val="tx1"/>
+              </a:buClr>
+              <a:buSzPct val="75000"/>
+              <a:buFont typeface="Arial" panose="020B0604020202020204" pitchFamily="34" charset="0"/>
+              <a:buChar char="•"/>
+              <a:defRPr sz="1600" kern="1200">
+                <a:solidFill>
+                  <a:schemeClr val="tx1"/>
+                </a:solidFill>
+                <a:latin typeface="+mn-lt"/>
+                <a:ea typeface="+mn-ea"/>
+                <a:cs typeface="+mn-cs"/>
+              </a:defRPr>
+            </a:lvl3pPr>
+            <a:lvl4pPr marL="1600200" indent="-228600" algn="l" defTabSz="914400" rtl="0" eaLnBrk="1" latinLnBrk="0" hangingPunct="1">
+              <a:lnSpc>
+                <a:spcPct val="120000"/>
+              </a:lnSpc>
+              <a:spcBef>
+                <a:spcPts val="500"/>
+              </a:spcBef>
+              <a:buClr>
+                <a:schemeClr val="tx1"/>
+              </a:buClr>
+              <a:buSzPct val="75000"/>
+              <a:buFont typeface="Arial" panose="020B0604020202020204" pitchFamily="34" charset="0"/>
+              <a:buChar char="•"/>
+              <a:defRPr sz="1400" kern="1200">
+                <a:solidFill>
+                  <a:schemeClr val="tx1"/>
+                </a:solidFill>
+                <a:latin typeface="+mn-lt"/>
+                <a:ea typeface="+mn-ea"/>
+                <a:cs typeface="+mn-cs"/>
+              </a:defRPr>
+            </a:lvl4pPr>
+            <a:lvl5pPr marL="2057400" indent="-228600" algn="l" defTabSz="914400" rtl="0" eaLnBrk="1" latinLnBrk="0" hangingPunct="1">
+              <a:lnSpc>
+                <a:spcPct val="120000"/>
+              </a:lnSpc>
+              <a:spcBef>
+                <a:spcPts val="500"/>
+              </a:spcBef>
+              <a:buClr>
+                <a:schemeClr val="tx1"/>
+              </a:buClr>
+              <a:buSzPct val="75000"/>
+              <a:buFont typeface="Arial" panose="020B0604020202020204" pitchFamily="34" charset="0"/>
+              <a:buChar char="•"/>
+              <a:defRPr sz="1400" kern="1200">
+                <a:solidFill>
+                  <a:schemeClr val="tx1"/>
+                </a:solidFill>
+                <a:latin typeface="+mn-lt"/>
+                <a:ea typeface="+mn-ea"/>
+                <a:cs typeface="+mn-cs"/>
+              </a:defRPr>
+            </a:lvl5pPr>
+            <a:lvl6pPr marL="2514600" indent="-228600" algn="l" defTabSz="914400" rtl="0" eaLnBrk="1" latinLnBrk="0" hangingPunct="1">
+              <a:lnSpc>
+                <a:spcPct val="90000"/>
+              </a:lnSpc>
+              <a:spcBef>
+                <a:spcPts val="500"/>
+              </a:spcBef>
+              <a:buFont typeface="Arial" panose="020B0604020202020204" pitchFamily="34" charset="0"/>
+              <a:buChar char="•"/>
+              <a:defRPr sz="1800" kern="1200">
+                <a:solidFill>
+                  <a:schemeClr val="tx1"/>
+                </a:solidFill>
+                <a:latin typeface="+mn-lt"/>
+                <a:ea typeface="+mn-ea"/>
+                <a:cs typeface="+mn-cs"/>
+              </a:defRPr>
+            </a:lvl6pPr>
+            <a:lvl7pPr marL="2971800" indent="-228600" algn="l" defTabSz="914400" rtl="0" eaLnBrk="1" latinLnBrk="0" hangingPunct="1">
+              <a:lnSpc>
+                <a:spcPct val="90000"/>
+              </a:lnSpc>
+              <a:spcBef>
+                <a:spcPts val="500"/>
+              </a:spcBef>
+              <a:buFont typeface="Arial" panose="020B0604020202020204" pitchFamily="34" charset="0"/>
+              <a:buChar char="•"/>
+              <a:defRPr sz="1800" kern="1200">
+                <a:solidFill>
+                  <a:schemeClr val="tx1"/>
+                </a:solidFill>
+                <a:latin typeface="+mn-lt"/>
+                <a:ea typeface="+mn-ea"/>
+                <a:cs typeface="+mn-cs"/>
+              </a:defRPr>
+            </a:lvl7pPr>
+            <a:lvl8pPr marL="3429000" indent="-228600" algn="l" defTabSz="914400" rtl="0" eaLnBrk="1" latinLnBrk="0" hangingPunct="1">
+              <a:lnSpc>
+                <a:spcPct val="90000"/>
+              </a:lnSpc>
+              <a:spcBef>
+                <a:spcPts val="500"/>
+              </a:spcBef>
+              <a:buFont typeface="Arial" panose="020B0604020202020204" pitchFamily="34" charset="0"/>
+              <a:buChar char="•"/>
+              <a:defRPr sz="1800" kern="1200">
+                <a:solidFill>
+                  <a:schemeClr val="tx1"/>
+                </a:solidFill>
+                <a:latin typeface="+mn-lt"/>
+                <a:ea typeface="+mn-ea"/>
+                <a:cs typeface="+mn-cs"/>
+              </a:defRPr>
+            </a:lvl8pPr>
+            <a:lvl9pPr marL="3886200" indent="-228600" algn="l" defTabSz="914400" rtl="0" eaLnBrk="1" latinLnBrk="0" hangingPunct="1">
+              <a:lnSpc>
+                <a:spcPct val="90000"/>
+              </a:lnSpc>
+              <a:spcBef>
+                <a:spcPts val="500"/>
+              </a:spcBef>
+              <a:buFont typeface="Arial" panose="020B0604020202020204" pitchFamily="34" charset="0"/>
+              <a:buChar char="•"/>
+              <a:defRPr sz="1800" kern="1200">
+                <a:solidFill>
+                  <a:schemeClr val="tx1"/>
+                </a:solidFill>
+                <a:latin typeface="+mn-lt"/>
+                <a:ea typeface="+mn-ea"/>
+                <a:cs typeface="+mn-cs"/>
+              </a:defRPr>
+            </a:lvl9pPr>
+          </a:lstStyle>
+          <a:p>
+            <a:pPr marL="457200" lvl="1" indent="0">
+              <a:buNone/>
+            </a:pPr>
+            <a:r>
+              <a:rPr lang="en-US" sz="1400" dirty="0"/>
+              <a:t>Table 1: The first 5 rows with 3 features and 1 target of Disaster Tweet datasets</a:t>
+            </a:r>
+          </a:p>
+          <a:p>
+            <a:pPr lvl="1">
+              <a:buFontTx/>
+              <a:buChar char="-"/>
+            </a:pPr>
             <a:endParaRPr lang="en-US" dirty="0"/>
           </a:p>
         </p:txBody>
@@ -4000,7 +4829,7 @@
     </p:spTree>
     <p:extLst>
       <p:ext uri="{BB962C8B-B14F-4D97-AF65-F5344CB8AC3E}">
-        <p14:creationId xmlns:p14="http://schemas.microsoft.com/office/powerpoint/2010/main" val="2570005789"/>
+        <p14:creationId xmlns:p14="http://schemas.microsoft.com/office/powerpoint/2010/main" val="639049962"/>
       </p:ext>
     </p:extLst>
   </p:cSld>
@@ -4043,9 +4872,16 @@
             <p:ph type="title"/>
           </p:nvPr>
         </p:nvSpPr>
-        <p:spPr/>
-        <p:txBody>
-          <a:bodyPr/>
+        <p:spPr>
+          <a:xfrm>
+            <a:off x="652371" y="311369"/>
+            <a:ext cx="10625229" cy="603031"/>
+          </a:xfrm>
+        </p:spPr>
+        <p:txBody>
+          <a:bodyPr>
+            <a:normAutofit fontScale="90000"/>
+          </a:bodyPr>
           <a:lstStyle/>
           <a:p>
             <a:r>
@@ -4084,6 +4920,456 @@
     <p:extLst>
       <p:ext uri="{BB962C8B-B14F-4D97-AF65-F5344CB8AC3E}">
         <p14:creationId xmlns:p14="http://schemas.microsoft.com/office/powerpoint/2010/main" val="2201994716"/>
+      </p:ext>
+    </p:extLst>
+  </p:cSld>
+  <p:clrMapOvr>
+    <a:masterClrMapping/>
+  </p:clrMapOvr>
+</p:sld>
+</file>
+
+<file path=ppt/slides/slide5.xml><?xml version="1.0" encoding="utf-8"?>
+<p:sld xmlns:a="http://schemas.openxmlformats.org/drawingml/2006/main" xmlns:r="http://schemas.openxmlformats.org/officeDocument/2006/relationships" xmlns:p="http://schemas.openxmlformats.org/presentationml/2006/main">
+  <p:cSld>
+    <p:spTree>
+      <p:nvGrpSpPr>
+        <p:cNvPr id="1" name=""/>
+        <p:cNvGrpSpPr/>
+        <p:nvPr/>
+      </p:nvGrpSpPr>
+      <p:grpSpPr>
+        <a:xfrm>
+          <a:off x="0" y="0"/>
+          <a:ext cx="0" cy="0"/>
+          <a:chOff x="0" y="0"/>
+          <a:chExt cx="0" cy="0"/>
+        </a:xfrm>
+      </p:grpSpPr>
+      <p:sp>
+        <p:nvSpPr>
+          <p:cNvPr id="2" name="Title 1">
+            <a:extLst>
+              <a:ext uri="{FF2B5EF4-FFF2-40B4-BE49-F238E27FC236}">
+                <a16:creationId xmlns:a16="http://schemas.microsoft.com/office/drawing/2014/main" id="{AD1821CB-FA35-DE5C-11A5-65924B468835}"/>
+              </a:ext>
+            </a:extLst>
+          </p:cNvPr>
+          <p:cNvSpPr>
+            <a:spLocks noGrp="1"/>
+          </p:cNvSpPr>
+          <p:nvPr>
+            <p:ph type="title"/>
+          </p:nvPr>
+        </p:nvSpPr>
+        <p:spPr>
+          <a:xfrm>
+            <a:off x="652371" y="311369"/>
+            <a:ext cx="10625229" cy="603031"/>
+          </a:xfrm>
+        </p:spPr>
+        <p:txBody>
+          <a:bodyPr>
+            <a:normAutofit fontScale="90000"/>
+          </a:bodyPr>
+          <a:lstStyle/>
+          <a:p>
+            <a:r>
+              <a:rPr lang="en-US" dirty="0"/>
+              <a:t>Modeling and Analysis</a:t>
+            </a:r>
+          </a:p>
+        </p:txBody>
+      </p:sp>
+      <p:sp>
+        <p:nvSpPr>
+          <p:cNvPr id="3" name="Content Placeholder 2">
+            <a:extLst>
+              <a:ext uri="{FF2B5EF4-FFF2-40B4-BE49-F238E27FC236}">
+                <a16:creationId xmlns:a16="http://schemas.microsoft.com/office/drawing/2014/main" id="{56E192EA-326B-7A4D-5294-4A74A4716961}"/>
+              </a:ext>
+            </a:extLst>
+          </p:cNvPr>
+          <p:cNvSpPr>
+            <a:spLocks noGrp="1"/>
+          </p:cNvSpPr>
+          <p:nvPr>
+            <p:ph idx="1"/>
+          </p:nvPr>
+        </p:nvSpPr>
+        <p:spPr/>
+        <p:txBody>
+          <a:bodyPr/>
+          <a:lstStyle/>
+          <a:p>
+            <a:endParaRPr lang="en-US" dirty="0"/>
+          </a:p>
+        </p:txBody>
+      </p:sp>
+    </p:spTree>
+    <p:extLst>
+      <p:ext uri="{BB962C8B-B14F-4D97-AF65-F5344CB8AC3E}">
+        <p14:creationId xmlns:p14="http://schemas.microsoft.com/office/powerpoint/2010/main" val="146998942"/>
+      </p:ext>
+    </p:extLst>
+  </p:cSld>
+  <p:clrMapOvr>
+    <a:masterClrMapping/>
+  </p:clrMapOvr>
+</p:sld>
+</file>
+
+<file path=ppt/slides/slide6.xml><?xml version="1.0" encoding="utf-8"?>
+<p:sld xmlns:a="http://schemas.openxmlformats.org/drawingml/2006/main" xmlns:r="http://schemas.openxmlformats.org/officeDocument/2006/relationships" xmlns:p="http://schemas.openxmlformats.org/presentationml/2006/main">
+  <p:cSld>
+    <p:spTree>
+      <p:nvGrpSpPr>
+        <p:cNvPr id="1" name=""/>
+        <p:cNvGrpSpPr/>
+        <p:nvPr/>
+      </p:nvGrpSpPr>
+      <p:grpSpPr>
+        <a:xfrm>
+          <a:off x="0" y="0"/>
+          <a:ext cx="0" cy="0"/>
+          <a:chOff x="0" y="0"/>
+          <a:chExt cx="0" cy="0"/>
+        </a:xfrm>
+      </p:grpSpPr>
+      <p:sp>
+        <p:nvSpPr>
+          <p:cNvPr id="2" name="Title 1">
+            <a:extLst>
+              <a:ext uri="{FF2B5EF4-FFF2-40B4-BE49-F238E27FC236}">
+                <a16:creationId xmlns:a16="http://schemas.microsoft.com/office/drawing/2014/main" id="{AD1821CB-FA35-DE5C-11A5-65924B468835}"/>
+              </a:ext>
+            </a:extLst>
+          </p:cNvPr>
+          <p:cNvSpPr>
+            <a:spLocks noGrp="1"/>
+          </p:cNvSpPr>
+          <p:nvPr>
+            <p:ph type="title"/>
+          </p:nvPr>
+        </p:nvSpPr>
+        <p:spPr>
+          <a:xfrm>
+            <a:off x="652371" y="311369"/>
+            <a:ext cx="10625229" cy="603031"/>
+          </a:xfrm>
+        </p:spPr>
+        <p:txBody>
+          <a:bodyPr>
+            <a:normAutofit fontScale="90000"/>
+          </a:bodyPr>
+          <a:lstStyle/>
+          <a:p>
+            <a:r>
+              <a:rPr lang="en-US" dirty="0"/>
+              <a:t>Modeling and Analysis</a:t>
+            </a:r>
+          </a:p>
+        </p:txBody>
+      </p:sp>
+      <p:sp>
+        <p:nvSpPr>
+          <p:cNvPr id="3" name="Content Placeholder 2">
+            <a:extLst>
+              <a:ext uri="{FF2B5EF4-FFF2-40B4-BE49-F238E27FC236}">
+                <a16:creationId xmlns:a16="http://schemas.microsoft.com/office/drawing/2014/main" id="{56E192EA-326B-7A4D-5294-4A74A4716961}"/>
+              </a:ext>
+            </a:extLst>
+          </p:cNvPr>
+          <p:cNvSpPr>
+            <a:spLocks noGrp="1"/>
+          </p:cNvSpPr>
+          <p:nvPr>
+            <p:ph idx="1"/>
+          </p:nvPr>
+        </p:nvSpPr>
+        <p:spPr/>
+        <p:txBody>
+          <a:bodyPr/>
+          <a:lstStyle/>
+          <a:p>
+            <a:endParaRPr lang="en-US" dirty="0"/>
+          </a:p>
+        </p:txBody>
+      </p:sp>
+    </p:spTree>
+    <p:extLst>
+      <p:ext uri="{BB962C8B-B14F-4D97-AF65-F5344CB8AC3E}">
+        <p14:creationId xmlns:p14="http://schemas.microsoft.com/office/powerpoint/2010/main" val="2543193118"/>
+      </p:ext>
+    </p:extLst>
+  </p:cSld>
+  <p:clrMapOvr>
+    <a:masterClrMapping/>
+  </p:clrMapOvr>
+</p:sld>
+</file>
+
+<file path=ppt/slides/slide7.xml><?xml version="1.0" encoding="utf-8"?>
+<p:sld xmlns:a="http://schemas.openxmlformats.org/drawingml/2006/main" xmlns:r="http://schemas.openxmlformats.org/officeDocument/2006/relationships" xmlns:p="http://schemas.openxmlformats.org/presentationml/2006/main">
+  <p:cSld>
+    <p:spTree>
+      <p:nvGrpSpPr>
+        <p:cNvPr id="1" name=""/>
+        <p:cNvGrpSpPr/>
+        <p:nvPr/>
+      </p:nvGrpSpPr>
+      <p:grpSpPr>
+        <a:xfrm>
+          <a:off x="0" y="0"/>
+          <a:ext cx="0" cy="0"/>
+          <a:chOff x="0" y="0"/>
+          <a:chExt cx="0" cy="0"/>
+        </a:xfrm>
+      </p:grpSpPr>
+      <p:sp>
+        <p:nvSpPr>
+          <p:cNvPr id="2" name="Title 1">
+            <a:extLst>
+              <a:ext uri="{FF2B5EF4-FFF2-40B4-BE49-F238E27FC236}">
+                <a16:creationId xmlns:a16="http://schemas.microsoft.com/office/drawing/2014/main" id="{AD1821CB-FA35-DE5C-11A5-65924B468835}"/>
+              </a:ext>
+            </a:extLst>
+          </p:cNvPr>
+          <p:cNvSpPr>
+            <a:spLocks noGrp="1"/>
+          </p:cNvSpPr>
+          <p:nvPr>
+            <p:ph type="title"/>
+          </p:nvPr>
+        </p:nvSpPr>
+        <p:spPr>
+          <a:xfrm>
+            <a:off x="652371" y="311369"/>
+            <a:ext cx="10625229" cy="603031"/>
+          </a:xfrm>
+        </p:spPr>
+        <p:txBody>
+          <a:bodyPr>
+            <a:normAutofit fontScale="90000"/>
+          </a:bodyPr>
+          <a:lstStyle/>
+          <a:p>
+            <a:r>
+              <a:rPr lang="en-US" dirty="0"/>
+              <a:t>Modeling and Analysis</a:t>
+            </a:r>
+          </a:p>
+        </p:txBody>
+      </p:sp>
+      <p:sp>
+        <p:nvSpPr>
+          <p:cNvPr id="3" name="Content Placeholder 2">
+            <a:extLst>
+              <a:ext uri="{FF2B5EF4-FFF2-40B4-BE49-F238E27FC236}">
+                <a16:creationId xmlns:a16="http://schemas.microsoft.com/office/drawing/2014/main" id="{56E192EA-326B-7A4D-5294-4A74A4716961}"/>
+              </a:ext>
+            </a:extLst>
+          </p:cNvPr>
+          <p:cNvSpPr>
+            <a:spLocks noGrp="1"/>
+          </p:cNvSpPr>
+          <p:nvPr>
+            <p:ph idx="1"/>
+          </p:nvPr>
+        </p:nvSpPr>
+        <p:spPr/>
+        <p:txBody>
+          <a:bodyPr/>
+          <a:lstStyle/>
+          <a:p>
+            <a:endParaRPr lang="en-US" dirty="0"/>
+          </a:p>
+        </p:txBody>
+      </p:sp>
+    </p:spTree>
+    <p:extLst>
+      <p:ext uri="{BB962C8B-B14F-4D97-AF65-F5344CB8AC3E}">
+        <p14:creationId xmlns:p14="http://schemas.microsoft.com/office/powerpoint/2010/main" val="4041710270"/>
+      </p:ext>
+    </p:extLst>
+  </p:cSld>
+  <p:clrMapOvr>
+    <a:masterClrMapping/>
+  </p:clrMapOvr>
+</p:sld>
+</file>
+
+<file path=ppt/slides/slide8.xml><?xml version="1.0" encoding="utf-8"?>
+<p:sld xmlns:a="http://schemas.openxmlformats.org/drawingml/2006/main" xmlns:r="http://schemas.openxmlformats.org/officeDocument/2006/relationships" xmlns:p="http://schemas.openxmlformats.org/presentationml/2006/main">
+  <p:cSld>
+    <p:spTree>
+      <p:nvGrpSpPr>
+        <p:cNvPr id="1" name=""/>
+        <p:cNvGrpSpPr/>
+        <p:nvPr/>
+      </p:nvGrpSpPr>
+      <p:grpSpPr>
+        <a:xfrm>
+          <a:off x="0" y="0"/>
+          <a:ext cx="0" cy="0"/>
+          <a:chOff x="0" y="0"/>
+          <a:chExt cx="0" cy="0"/>
+        </a:xfrm>
+      </p:grpSpPr>
+      <p:sp>
+        <p:nvSpPr>
+          <p:cNvPr id="2" name="Title 1">
+            <a:extLst>
+              <a:ext uri="{FF2B5EF4-FFF2-40B4-BE49-F238E27FC236}">
+                <a16:creationId xmlns:a16="http://schemas.microsoft.com/office/drawing/2014/main" id="{AD1821CB-FA35-DE5C-11A5-65924B468835}"/>
+              </a:ext>
+            </a:extLst>
+          </p:cNvPr>
+          <p:cNvSpPr>
+            <a:spLocks noGrp="1"/>
+          </p:cNvSpPr>
+          <p:nvPr>
+            <p:ph type="title"/>
+          </p:nvPr>
+        </p:nvSpPr>
+        <p:spPr>
+          <a:xfrm>
+            <a:off x="652371" y="311369"/>
+            <a:ext cx="10625229" cy="603031"/>
+          </a:xfrm>
+        </p:spPr>
+        <p:txBody>
+          <a:bodyPr>
+            <a:normAutofit fontScale="90000"/>
+          </a:bodyPr>
+          <a:lstStyle/>
+          <a:p>
+            <a:r>
+              <a:rPr lang="en-US" dirty="0"/>
+              <a:t>Improvement</a:t>
+            </a:r>
+          </a:p>
+        </p:txBody>
+      </p:sp>
+      <p:sp>
+        <p:nvSpPr>
+          <p:cNvPr id="3" name="Content Placeholder 2">
+            <a:extLst>
+              <a:ext uri="{FF2B5EF4-FFF2-40B4-BE49-F238E27FC236}">
+                <a16:creationId xmlns:a16="http://schemas.microsoft.com/office/drawing/2014/main" id="{56E192EA-326B-7A4D-5294-4A74A4716961}"/>
+              </a:ext>
+            </a:extLst>
+          </p:cNvPr>
+          <p:cNvSpPr>
+            <a:spLocks noGrp="1"/>
+          </p:cNvSpPr>
+          <p:nvPr>
+            <p:ph idx="1"/>
+          </p:nvPr>
+        </p:nvSpPr>
+        <p:spPr/>
+        <p:txBody>
+          <a:bodyPr/>
+          <a:lstStyle/>
+          <a:p>
+            <a:endParaRPr lang="en-US" dirty="0"/>
+          </a:p>
+        </p:txBody>
+      </p:sp>
+    </p:spTree>
+    <p:extLst>
+      <p:ext uri="{BB962C8B-B14F-4D97-AF65-F5344CB8AC3E}">
+        <p14:creationId xmlns:p14="http://schemas.microsoft.com/office/powerpoint/2010/main" val="1030361549"/>
+      </p:ext>
+    </p:extLst>
+  </p:cSld>
+  <p:clrMapOvr>
+    <a:masterClrMapping/>
+  </p:clrMapOvr>
+</p:sld>
+</file>
+
+<file path=ppt/slides/slide9.xml><?xml version="1.0" encoding="utf-8"?>
+<p:sld xmlns:a="http://schemas.openxmlformats.org/drawingml/2006/main" xmlns:r="http://schemas.openxmlformats.org/officeDocument/2006/relationships" xmlns:p="http://schemas.openxmlformats.org/presentationml/2006/main">
+  <p:cSld>
+    <p:spTree>
+      <p:nvGrpSpPr>
+        <p:cNvPr id="1" name=""/>
+        <p:cNvGrpSpPr/>
+        <p:nvPr/>
+      </p:nvGrpSpPr>
+      <p:grpSpPr>
+        <a:xfrm>
+          <a:off x="0" y="0"/>
+          <a:ext cx="0" cy="0"/>
+          <a:chOff x="0" y="0"/>
+          <a:chExt cx="0" cy="0"/>
+        </a:xfrm>
+      </p:grpSpPr>
+      <p:sp>
+        <p:nvSpPr>
+          <p:cNvPr id="2" name="Title 1">
+            <a:extLst>
+              <a:ext uri="{FF2B5EF4-FFF2-40B4-BE49-F238E27FC236}">
+                <a16:creationId xmlns:a16="http://schemas.microsoft.com/office/drawing/2014/main" id="{AD1821CB-FA35-DE5C-11A5-65924B468835}"/>
+              </a:ext>
+            </a:extLst>
+          </p:cNvPr>
+          <p:cNvSpPr>
+            <a:spLocks noGrp="1"/>
+          </p:cNvSpPr>
+          <p:nvPr>
+            <p:ph type="title"/>
+          </p:nvPr>
+        </p:nvSpPr>
+        <p:spPr>
+          <a:xfrm>
+            <a:off x="652371" y="311369"/>
+            <a:ext cx="10625229" cy="603031"/>
+          </a:xfrm>
+        </p:spPr>
+        <p:txBody>
+          <a:bodyPr>
+            <a:normAutofit fontScale="90000"/>
+          </a:bodyPr>
+          <a:lstStyle/>
+          <a:p>
+            <a:r>
+              <a:rPr lang="en-US" dirty="0"/>
+              <a:t>References</a:t>
+            </a:r>
+          </a:p>
+        </p:txBody>
+      </p:sp>
+      <p:sp>
+        <p:nvSpPr>
+          <p:cNvPr id="3" name="Content Placeholder 2">
+            <a:extLst>
+              <a:ext uri="{FF2B5EF4-FFF2-40B4-BE49-F238E27FC236}">
+                <a16:creationId xmlns:a16="http://schemas.microsoft.com/office/drawing/2014/main" id="{56E192EA-326B-7A4D-5294-4A74A4716961}"/>
+              </a:ext>
+            </a:extLst>
+          </p:cNvPr>
+          <p:cNvSpPr>
+            <a:spLocks noGrp="1"/>
+          </p:cNvSpPr>
+          <p:nvPr>
+            <p:ph idx="1"/>
+          </p:nvPr>
+        </p:nvSpPr>
+        <p:spPr/>
+        <p:txBody>
+          <a:bodyPr/>
+          <a:lstStyle/>
+          <a:p>
+            <a:endParaRPr lang="en-US" dirty="0"/>
+          </a:p>
+        </p:txBody>
+      </p:sp>
+    </p:spTree>
+    <p:extLst>
+      <p:ext uri="{BB962C8B-B14F-4D97-AF65-F5344CB8AC3E}">
+        <p14:creationId xmlns:p14="http://schemas.microsoft.com/office/powerpoint/2010/main" val="2843977083"/>
       </p:ext>
     </p:extLst>
   </p:cSld>

--- a/DATS6202_Final_Project_Presentation_NLP_draft.pptx
+++ b/DATS6202_Final_Project_Presentation_NLP_draft.pptx
@@ -4907,12 +4907,629 @@
             <p:ph idx="1"/>
           </p:nvPr>
         </p:nvSpPr>
-        <p:spPr/>
-        <p:txBody>
-          <a:bodyPr/>
-          <a:lstStyle/>
-          <a:p>
-            <a:endParaRPr lang="en-US" dirty="0"/>
+        <p:spPr>
+          <a:xfrm>
+            <a:off x="290260" y="914400"/>
+            <a:ext cx="5805740" cy="5780690"/>
+          </a:xfrm>
+        </p:spPr>
+        <p:txBody>
+          <a:bodyPr>
+            <a:normAutofit/>
+          </a:bodyPr>
+          <a:lstStyle/>
+          <a:p>
+            <a:pPr marL="457200" indent="-457200">
+              <a:lnSpc>
+                <a:spcPct val="150000"/>
+              </a:lnSpc>
+              <a:buAutoNum type="arabicPeriod"/>
+            </a:pPr>
+            <a:r>
+              <a:rPr lang="en-US" sz="1600" dirty="0"/>
+              <a:t>Loading the Data</a:t>
+            </a:r>
+          </a:p>
+          <a:p>
+            <a:pPr marL="457200" indent="-457200">
+              <a:lnSpc>
+                <a:spcPct val="150000"/>
+              </a:lnSpc>
+              <a:buAutoNum type="arabicPeriod"/>
+            </a:pPr>
+            <a:r>
+              <a:rPr lang="en-US" sz="1600" dirty="0"/>
+              <a:t>Transforming the data: Standardize the data type</a:t>
+            </a:r>
+          </a:p>
+          <a:p>
+            <a:pPr marL="457200" indent="-457200">
+              <a:lnSpc>
+                <a:spcPct val="150000"/>
+              </a:lnSpc>
+              <a:buAutoNum type="arabicPeriod"/>
+            </a:pPr>
+            <a:r>
+              <a:rPr lang="en-US" sz="1600" dirty="0"/>
+              <a:t>Cleaning the data</a:t>
+            </a:r>
+          </a:p>
+          <a:p>
+            <a:pPr lvl="1">
+              <a:lnSpc>
+                <a:spcPct val="150000"/>
+              </a:lnSpc>
+            </a:pPr>
+            <a:r>
+              <a:rPr lang="en-US" sz="1400" dirty="0"/>
+              <a:t>Removal of unnecessary information: URLs, non-alphabetic characters</a:t>
+            </a:r>
+          </a:p>
+          <a:p>
+            <a:pPr lvl="1">
+              <a:lnSpc>
+                <a:spcPct val="150000"/>
+              </a:lnSpc>
+            </a:pPr>
+            <a:r>
+              <a:rPr lang="en-US" sz="1400" dirty="0"/>
+              <a:t>Preprocessing keywords: replaced any percentage signs in the keywords with spaces, removed any numeric characters and made all the text lowercase.</a:t>
+            </a:r>
+          </a:p>
+          <a:p>
+            <a:pPr lvl="1">
+              <a:lnSpc>
+                <a:spcPct val="150000"/>
+              </a:lnSpc>
+            </a:pPr>
+            <a:r>
+              <a:rPr lang="en-US" sz="1400" dirty="0"/>
+              <a:t>Text normalization: lemmatization (for example, 'running' becomes 'run’), stemming</a:t>
+            </a:r>
+          </a:p>
+          <a:p>
+            <a:pPr lvl="1">
+              <a:lnSpc>
+                <a:spcPct val="150000"/>
+              </a:lnSpc>
+            </a:pPr>
+            <a:r>
+              <a:rPr lang="en-US" sz="1400" dirty="0"/>
+              <a:t>Removing Stop words: removed common words ('the', 'and', 'is', etc.)</a:t>
+            </a:r>
+          </a:p>
+          <a:p>
+            <a:pPr lvl="1">
+              <a:lnSpc>
+                <a:spcPct val="150000"/>
+              </a:lnSpc>
+            </a:pPr>
+            <a:r>
+              <a:rPr lang="en-US" sz="1400" dirty="0"/>
+              <a:t>Discarding irrelevant columns and rows: removed the 'id' and 'location' columns from our dataset</a:t>
+            </a:r>
+          </a:p>
+          <a:p>
+            <a:pPr marL="457200" indent="-457200">
+              <a:lnSpc>
+                <a:spcPct val="150000"/>
+              </a:lnSpc>
+              <a:buAutoNum type="arabicPeriod"/>
+            </a:pPr>
+            <a:r>
+              <a:rPr lang="en-US" sz="1600" dirty="0"/>
+              <a:t>Splitting the test, validation, and test data</a:t>
+            </a:r>
+          </a:p>
+        </p:txBody>
+      </p:sp>
+      <p:pic>
+        <p:nvPicPr>
+          <p:cNvPr id="4" name="Picture 3">
+            <a:extLst>
+              <a:ext uri="{FF2B5EF4-FFF2-40B4-BE49-F238E27FC236}">
+                <a16:creationId xmlns:a16="http://schemas.microsoft.com/office/drawing/2014/main" id="{C2DC3D64-9D3F-F228-A58B-625C1F594766}"/>
+              </a:ext>
+            </a:extLst>
+          </p:cNvPr>
+          <p:cNvPicPr>
+            <a:picLocks noChangeAspect="1"/>
+          </p:cNvPicPr>
+          <p:nvPr/>
+        </p:nvPicPr>
+        <p:blipFill>
+          <a:blip r:embed="rId2"/>
+          <a:stretch>
+            <a:fillRect/>
+          </a:stretch>
+        </p:blipFill>
+        <p:spPr>
+          <a:xfrm>
+            <a:off x="6543010" y="4540104"/>
+            <a:ext cx="5528441" cy="1449617"/>
+          </a:xfrm>
+          <a:prstGeom prst="rect">
+            <a:avLst/>
+          </a:prstGeom>
+        </p:spPr>
+      </p:pic>
+      <p:pic>
+        <p:nvPicPr>
+          <p:cNvPr id="5" name="Picture 4">
+            <a:extLst>
+              <a:ext uri="{FF2B5EF4-FFF2-40B4-BE49-F238E27FC236}">
+                <a16:creationId xmlns:a16="http://schemas.microsoft.com/office/drawing/2014/main" id="{5717B31A-B570-82EB-ECC2-32A7AC1DE2B7}"/>
+              </a:ext>
+            </a:extLst>
+          </p:cNvPr>
+          <p:cNvPicPr>
+            <a:picLocks noChangeAspect="1"/>
+          </p:cNvPicPr>
+          <p:nvPr/>
+        </p:nvPicPr>
+        <p:blipFill>
+          <a:blip r:embed="rId3"/>
+          <a:stretch>
+            <a:fillRect/>
+          </a:stretch>
+        </p:blipFill>
+        <p:spPr>
+          <a:xfrm>
+            <a:off x="6990022" y="1718806"/>
+            <a:ext cx="4634419" cy="1539543"/>
+          </a:xfrm>
+          <a:prstGeom prst="rect">
+            <a:avLst/>
+          </a:prstGeom>
+        </p:spPr>
+      </p:pic>
+      <p:sp>
+        <p:nvSpPr>
+          <p:cNvPr id="6" name="Content Placeholder 2">
+            <a:extLst>
+              <a:ext uri="{FF2B5EF4-FFF2-40B4-BE49-F238E27FC236}">
+                <a16:creationId xmlns:a16="http://schemas.microsoft.com/office/drawing/2014/main" id="{D5D3414F-33B4-76C3-D8BD-190B86686572}"/>
+              </a:ext>
+            </a:extLst>
+          </p:cNvPr>
+          <p:cNvSpPr txBox="1">
+            <a:spLocks/>
+          </p:cNvSpPr>
+          <p:nvPr/>
+        </p:nvSpPr>
+        <p:spPr>
+          <a:xfrm>
+            <a:off x="7378902" y="1253834"/>
+            <a:ext cx="3688492" cy="375745"/>
+          </a:xfrm>
+          <a:prstGeom prst="rect">
+            <a:avLst/>
+          </a:prstGeom>
+        </p:spPr>
+        <p:txBody>
+          <a:bodyPr vert="horz" lIns="91440" tIns="45720" rIns="91440" bIns="45720" rtlCol="0">
+            <a:normAutofit fontScale="92500" lnSpcReduction="20000"/>
+          </a:bodyPr>
+          <a:lstStyle>
+            <a:lvl1pPr marL="228600" indent="-228600" algn="l" defTabSz="914400" rtl="0" eaLnBrk="1" latinLnBrk="0" hangingPunct="1">
+              <a:lnSpc>
+                <a:spcPct val="120000"/>
+              </a:lnSpc>
+              <a:spcBef>
+                <a:spcPts val="1000"/>
+              </a:spcBef>
+              <a:buClr>
+                <a:schemeClr val="tx1"/>
+              </a:buClr>
+              <a:buSzPct val="75000"/>
+              <a:buFont typeface="Arial" panose="020B0604020202020204" pitchFamily="34" charset="0"/>
+              <a:buChar char="•"/>
+              <a:defRPr sz="2000" kern="1200">
+                <a:solidFill>
+                  <a:schemeClr val="tx1"/>
+                </a:solidFill>
+                <a:latin typeface="+mn-lt"/>
+                <a:ea typeface="+mn-ea"/>
+                <a:cs typeface="+mn-cs"/>
+              </a:defRPr>
+            </a:lvl1pPr>
+            <a:lvl2pPr marL="685800" indent="-228600" algn="l" defTabSz="914400" rtl="0" eaLnBrk="1" latinLnBrk="0" hangingPunct="1">
+              <a:lnSpc>
+                <a:spcPct val="120000"/>
+              </a:lnSpc>
+              <a:spcBef>
+                <a:spcPts val="500"/>
+              </a:spcBef>
+              <a:buClr>
+                <a:schemeClr val="tx1"/>
+              </a:buClr>
+              <a:buSzPct val="75000"/>
+              <a:buFont typeface="Arial" panose="020B0604020202020204" pitchFamily="34" charset="0"/>
+              <a:buChar char="•"/>
+              <a:defRPr sz="1800" kern="1200">
+                <a:solidFill>
+                  <a:schemeClr val="tx1"/>
+                </a:solidFill>
+                <a:latin typeface="+mn-lt"/>
+                <a:ea typeface="+mn-ea"/>
+                <a:cs typeface="+mn-cs"/>
+              </a:defRPr>
+            </a:lvl2pPr>
+            <a:lvl3pPr marL="1143000" indent="-228600" algn="l" defTabSz="914400" rtl="0" eaLnBrk="1" latinLnBrk="0" hangingPunct="1">
+              <a:lnSpc>
+                <a:spcPct val="120000"/>
+              </a:lnSpc>
+              <a:spcBef>
+                <a:spcPts val="500"/>
+              </a:spcBef>
+              <a:buClr>
+                <a:schemeClr val="tx1"/>
+              </a:buClr>
+              <a:buSzPct val="75000"/>
+              <a:buFont typeface="Arial" panose="020B0604020202020204" pitchFamily="34" charset="0"/>
+              <a:buChar char="•"/>
+              <a:defRPr sz="1600" kern="1200">
+                <a:solidFill>
+                  <a:schemeClr val="tx1"/>
+                </a:solidFill>
+                <a:latin typeface="+mn-lt"/>
+                <a:ea typeface="+mn-ea"/>
+                <a:cs typeface="+mn-cs"/>
+              </a:defRPr>
+            </a:lvl3pPr>
+            <a:lvl4pPr marL="1600200" indent="-228600" algn="l" defTabSz="914400" rtl="0" eaLnBrk="1" latinLnBrk="0" hangingPunct="1">
+              <a:lnSpc>
+                <a:spcPct val="120000"/>
+              </a:lnSpc>
+              <a:spcBef>
+                <a:spcPts val="500"/>
+              </a:spcBef>
+              <a:buClr>
+                <a:schemeClr val="tx1"/>
+              </a:buClr>
+              <a:buSzPct val="75000"/>
+              <a:buFont typeface="Arial" panose="020B0604020202020204" pitchFamily="34" charset="0"/>
+              <a:buChar char="•"/>
+              <a:defRPr sz="1400" kern="1200">
+                <a:solidFill>
+                  <a:schemeClr val="tx1"/>
+                </a:solidFill>
+                <a:latin typeface="+mn-lt"/>
+                <a:ea typeface="+mn-ea"/>
+                <a:cs typeface="+mn-cs"/>
+              </a:defRPr>
+            </a:lvl4pPr>
+            <a:lvl5pPr marL="2057400" indent="-228600" algn="l" defTabSz="914400" rtl="0" eaLnBrk="1" latinLnBrk="0" hangingPunct="1">
+              <a:lnSpc>
+                <a:spcPct val="120000"/>
+              </a:lnSpc>
+              <a:spcBef>
+                <a:spcPts val="500"/>
+              </a:spcBef>
+              <a:buClr>
+                <a:schemeClr val="tx1"/>
+              </a:buClr>
+              <a:buSzPct val="75000"/>
+              <a:buFont typeface="Arial" panose="020B0604020202020204" pitchFamily="34" charset="0"/>
+              <a:buChar char="•"/>
+              <a:defRPr sz="1400" kern="1200">
+                <a:solidFill>
+                  <a:schemeClr val="tx1"/>
+                </a:solidFill>
+                <a:latin typeface="+mn-lt"/>
+                <a:ea typeface="+mn-ea"/>
+                <a:cs typeface="+mn-cs"/>
+              </a:defRPr>
+            </a:lvl5pPr>
+            <a:lvl6pPr marL="2514600" indent="-228600" algn="l" defTabSz="914400" rtl="0" eaLnBrk="1" latinLnBrk="0" hangingPunct="1">
+              <a:lnSpc>
+                <a:spcPct val="90000"/>
+              </a:lnSpc>
+              <a:spcBef>
+                <a:spcPts val="500"/>
+              </a:spcBef>
+              <a:buFont typeface="Arial" panose="020B0604020202020204" pitchFamily="34" charset="0"/>
+              <a:buChar char="•"/>
+              <a:defRPr sz="1800" kern="1200">
+                <a:solidFill>
+                  <a:schemeClr val="tx1"/>
+                </a:solidFill>
+                <a:latin typeface="+mn-lt"/>
+                <a:ea typeface="+mn-ea"/>
+                <a:cs typeface="+mn-cs"/>
+              </a:defRPr>
+            </a:lvl6pPr>
+            <a:lvl7pPr marL="2971800" indent="-228600" algn="l" defTabSz="914400" rtl="0" eaLnBrk="1" latinLnBrk="0" hangingPunct="1">
+              <a:lnSpc>
+                <a:spcPct val="90000"/>
+              </a:lnSpc>
+              <a:spcBef>
+                <a:spcPts val="500"/>
+              </a:spcBef>
+              <a:buFont typeface="Arial" panose="020B0604020202020204" pitchFamily="34" charset="0"/>
+              <a:buChar char="•"/>
+              <a:defRPr sz="1800" kern="1200">
+                <a:solidFill>
+                  <a:schemeClr val="tx1"/>
+                </a:solidFill>
+                <a:latin typeface="+mn-lt"/>
+                <a:ea typeface="+mn-ea"/>
+                <a:cs typeface="+mn-cs"/>
+              </a:defRPr>
+            </a:lvl7pPr>
+            <a:lvl8pPr marL="3429000" indent="-228600" algn="l" defTabSz="914400" rtl="0" eaLnBrk="1" latinLnBrk="0" hangingPunct="1">
+              <a:lnSpc>
+                <a:spcPct val="90000"/>
+              </a:lnSpc>
+              <a:spcBef>
+                <a:spcPts val="500"/>
+              </a:spcBef>
+              <a:buFont typeface="Arial" panose="020B0604020202020204" pitchFamily="34" charset="0"/>
+              <a:buChar char="•"/>
+              <a:defRPr sz="1800" kern="1200">
+                <a:solidFill>
+                  <a:schemeClr val="tx1"/>
+                </a:solidFill>
+                <a:latin typeface="+mn-lt"/>
+                <a:ea typeface="+mn-ea"/>
+                <a:cs typeface="+mn-cs"/>
+              </a:defRPr>
+            </a:lvl8pPr>
+            <a:lvl9pPr marL="3886200" indent="-228600" algn="l" defTabSz="914400" rtl="0" eaLnBrk="1" latinLnBrk="0" hangingPunct="1">
+              <a:lnSpc>
+                <a:spcPct val="90000"/>
+              </a:lnSpc>
+              <a:spcBef>
+                <a:spcPts val="500"/>
+              </a:spcBef>
+              <a:buFont typeface="Arial" panose="020B0604020202020204" pitchFamily="34" charset="0"/>
+              <a:buChar char="•"/>
+              <a:defRPr sz="1800" kern="1200">
+                <a:solidFill>
+                  <a:schemeClr val="tx1"/>
+                </a:solidFill>
+                <a:latin typeface="+mn-lt"/>
+                <a:ea typeface="+mn-ea"/>
+                <a:cs typeface="+mn-cs"/>
+              </a:defRPr>
+            </a:lvl9pPr>
+          </a:lstStyle>
+          <a:p>
+            <a:pPr marL="0" indent="0">
+              <a:lnSpc>
+                <a:spcPct val="150000"/>
+              </a:lnSpc>
+              <a:buNone/>
+            </a:pPr>
+            <a:r>
+              <a:rPr lang="en-US" sz="1600" dirty="0"/>
+              <a:t>Table 2: The training data after cleaning </a:t>
+            </a:r>
+          </a:p>
+        </p:txBody>
+      </p:sp>
+      <p:sp>
+        <p:nvSpPr>
+          <p:cNvPr id="11" name="Content Placeholder 2">
+            <a:extLst>
+              <a:ext uri="{FF2B5EF4-FFF2-40B4-BE49-F238E27FC236}">
+                <a16:creationId xmlns:a16="http://schemas.microsoft.com/office/drawing/2014/main" id="{7858EAE8-E363-25DE-DCBF-2EE43CEE7724}"/>
+              </a:ext>
+            </a:extLst>
+          </p:cNvPr>
+          <p:cNvSpPr txBox="1">
+            <a:spLocks/>
+          </p:cNvSpPr>
+          <p:nvPr/>
+        </p:nvSpPr>
+        <p:spPr>
+          <a:xfrm>
+            <a:off x="6543010" y="4075132"/>
+            <a:ext cx="5528441" cy="375745"/>
+          </a:xfrm>
+          <a:prstGeom prst="rect">
+            <a:avLst/>
+          </a:prstGeom>
+        </p:spPr>
+        <p:txBody>
+          <a:bodyPr vert="horz" lIns="91440" tIns="45720" rIns="91440" bIns="45720" rtlCol="0">
+            <a:normAutofit fontScale="92500" lnSpcReduction="20000"/>
+          </a:bodyPr>
+          <a:lstStyle>
+            <a:lvl1pPr marL="228600" indent="-228600" algn="l" defTabSz="914400" rtl="0" eaLnBrk="1" latinLnBrk="0" hangingPunct="1">
+              <a:lnSpc>
+                <a:spcPct val="120000"/>
+              </a:lnSpc>
+              <a:spcBef>
+                <a:spcPts val="1000"/>
+              </a:spcBef>
+              <a:buClr>
+                <a:schemeClr val="tx1"/>
+              </a:buClr>
+              <a:buSzPct val="75000"/>
+              <a:buFont typeface="Arial" panose="020B0604020202020204" pitchFamily="34" charset="0"/>
+              <a:buChar char="•"/>
+              <a:defRPr sz="2000" kern="1200">
+                <a:solidFill>
+                  <a:schemeClr val="tx1"/>
+                </a:solidFill>
+                <a:latin typeface="+mn-lt"/>
+                <a:ea typeface="+mn-ea"/>
+                <a:cs typeface="+mn-cs"/>
+              </a:defRPr>
+            </a:lvl1pPr>
+            <a:lvl2pPr marL="685800" indent="-228600" algn="l" defTabSz="914400" rtl="0" eaLnBrk="1" latinLnBrk="0" hangingPunct="1">
+              <a:lnSpc>
+                <a:spcPct val="120000"/>
+              </a:lnSpc>
+              <a:spcBef>
+                <a:spcPts val="500"/>
+              </a:spcBef>
+              <a:buClr>
+                <a:schemeClr val="tx1"/>
+              </a:buClr>
+              <a:buSzPct val="75000"/>
+              <a:buFont typeface="Arial" panose="020B0604020202020204" pitchFamily="34" charset="0"/>
+              <a:buChar char="•"/>
+              <a:defRPr sz="1800" kern="1200">
+                <a:solidFill>
+                  <a:schemeClr val="tx1"/>
+                </a:solidFill>
+                <a:latin typeface="+mn-lt"/>
+                <a:ea typeface="+mn-ea"/>
+                <a:cs typeface="+mn-cs"/>
+              </a:defRPr>
+            </a:lvl2pPr>
+            <a:lvl3pPr marL="1143000" indent="-228600" algn="l" defTabSz="914400" rtl="0" eaLnBrk="1" latinLnBrk="0" hangingPunct="1">
+              <a:lnSpc>
+                <a:spcPct val="120000"/>
+              </a:lnSpc>
+              <a:spcBef>
+                <a:spcPts val="500"/>
+              </a:spcBef>
+              <a:buClr>
+                <a:schemeClr val="tx1"/>
+              </a:buClr>
+              <a:buSzPct val="75000"/>
+              <a:buFont typeface="Arial" panose="020B0604020202020204" pitchFamily="34" charset="0"/>
+              <a:buChar char="•"/>
+              <a:defRPr sz="1600" kern="1200">
+                <a:solidFill>
+                  <a:schemeClr val="tx1"/>
+                </a:solidFill>
+                <a:latin typeface="+mn-lt"/>
+                <a:ea typeface="+mn-ea"/>
+                <a:cs typeface="+mn-cs"/>
+              </a:defRPr>
+            </a:lvl3pPr>
+            <a:lvl4pPr marL="1600200" indent="-228600" algn="l" defTabSz="914400" rtl="0" eaLnBrk="1" latinLnBrk="0" hangingPunct="1">
+              <a:lnSpc>
+                <a:spcPct val="120000"/>
+              </a:lnSpc>
+              <a:spcBef>
+                <a:spcPts val="500"/>
+              </a:spcBef>
+              <a:buClr>
+                <a:schemeClr val="tx1"/>
+              </a:buClr>
+              <a:buSzPct val="75000"/>
+              <a:buFont typeface="Arial" panose="020B0604020202020204" pitchFamily="34" charset="0"/>
+              <a:buChar char="•"/>
+              <a:defRPr sz="1400" kern="1200">
+                <a:solidFill>
+                  <a:schemeClr val="tx1"/>
+                </a:solidFill>
+                <a:latin typeface="+mn-lt"/>
+                <a:ea typeface="+mn-ea"/>
+                <a:cs typeface="+mn-cs"/>
+              </a:defRPr>
+            </a:lvl4pPr>
+            <a:lvl5pPr marL="2057400" indent="-228600" algn="l" defTabSz="914400" rtl="0" eaLnBrk="1" latinLnBrk="0" hangingPunct="1">
+              <a:lnSpc>
+                <a:spcPct val="120000"/>
+              </a:lnSpc>
+              <a:spcBef>
+                <a:spcPts val="500"/>
+              </a:spcBef>
+              <a:buClr>
+                <a:schemeClr val="tx1"/>
+              </a:buClr>
+              <a:buSzPct val="75000"/>
+              <a:buFont typeface="Arial" panose="020B0604020202020204" pitchFamily="34" charset="0"/>
+              <a:buChar char="•"/>
+              <a:defRPr sz="1400" kern="1200">
+                <a:solidFill>
+                  <a:schemeClr val="tx1"/>
+                </a:solidFill>
+                <a:latin typeface="+mn-lt"/>
+                <a:ea typeface="+mn-ea"/>
+                <a:cs typeface="+mn-cs"/>
+              </a:defRPr>
+            </a:lvl5pPr>
+            <a:lvl6pPr marL="2514600" indent="-228600" algn="l" defTabSz="914400" rtl="0" eaLnBrk="1" latinLnBrk="0" hangingPunct="1">
+              <a:lnSpc>
+                <a:spcPct val="90000"/>
+              </a:lnSpc>
+              <a:spcBef>
+                <a:spcPts val="500"/>
+              </a:spcBef>
+              <a:buFont typeface="Arial" panose="020B0604020202020204" pitchFamily="34" charset="0"/>
+              <a:buChar char="•"/>
+              <a:defRPr sz="1800" kern="1200">
+                <a:solidFill>
+                  <a:schemeClr val="tx1"/>
+                </a:solidFill>
+                <a:latin typeface="+mn-lt"/>
+                <a:ea typeface="+mn-ea"/>
+                <a:cs typeface="+mn-cs"/>
+              </a:defRPr>
+            </a:lvl6pPr>
+            <a:lvl7pPr marL="2971800" indent="-228600" algn="l" defTabSz="914400" rtl="0" eaLnBrk="1" latinLnBrk="0" hangingPunct="1">
+              <a:lnSpc>
+                <a:spcPct val="90000"/>
+              </a:lnSpc>
+              <a:spcBef>
+                <a:spcPts val="500"/>
+              </a:spcBef>
+              <a:buFont typeface="Arial" panose="020B0604020202020204" pitchFamily="34" charset="0"/>
+              <a:buChar char="•"/>
+              <a:defRPr sz="1800" kern="1200">
+                <a:solidFill>
+                  <a:schemeClr val="tx1"/>
+                </a:solidFill>
+                <a:latin typeface="+mn-lt"/>
+                <a:ea typeface="+mn-ea"/>
+                <a:cs typeface="+mn-cs"/>
+              </a:defRPr>
+            </a:lvl7pPr>
+            <a:lvl8pPr marL="3429000" indent="-228600" algn="l" defTabSz="914400" rtl="0" eaLnBrk="1" latinLnBrk="0" hangingPunct="1">
+              <a:lnSpc>
+                <a:spcPct val="90000"/>
+              </a:lnSpc>
+              <a:spcBef>
+                <a:spcPts val="500"/>
+              </a:spcBef>
+              <a:buFont typeface="Arial" panose="020B0604020202020204" pitchFamily="34" charset="0"/>
+              <a:buChar char="•"/>
+              <a:defRPr sz="1800" kern="1200">
+                <a:solidFill>
+                  <a:schemeClr val="tx1"/>
+                </a:solidFill>
+                <a:latin typeface="+mn-lt"/>
+                <a:ea typeface="+mn-ea"/>
+                <a:cs typeface="+mn-cs"/>
+              </a:defRPr>
+            </a:lvl8pPr>
+            <a:lvl9pPr marL="3886200" indent="-228600" algn="l" defTabSz="914400" rtl="0" eaLnBrk="1" latinLnBrk="0" hangingPunct="1">
+              <a:lnSpc>
+                <a:spcPct val="90000"/>
+              </a:lnSpc>
+              <a:spcBef>
+                <a:spcPts val="500"/>
+              </a:spcBef>
+              <a:buFont typeface="Arial" panose="020B0604020202020204" pitchFamily="34" charset="0"/>
+              <a:buChar char="•"/>
+              <a:defRPr sz="1800" kern="1200">
+                <a:solidFill>
+                  <a:schemeClr val="tx1"/>
+                </a:solidFill>
+                <a:latin typeface="+mn-lt"/>
+                <a:ea typeface="+mn-ea"/>
+                <a:cs typeface="+mn-cs"/>
+              </a:defRPr>
+            </a:lvl9pPr>
+          </a:lstStyle>
+          <a:p>
+            <a:pPr marL="0" indent="0">
+              <a:lnSpc>
+                <a:spcPct val="150000"/>
+              </a:lnSpc>
+              <a:buNone/>
+            </a:pPr>
+            <a:r>
+              <a:rPr lang="en-US" sz="1600" dirty="0"/>
+              <a:t>Table 3: The first 5 keywords with distribution for each data set </a:t>
+            </a:r>
           </a:p>
         </p:txBody>
       </p:sp>

--- a/DATS6202_Final_Project_Presentation_NLP_draft.pptx
+++ b/DATS6202_Final_Project_Presentation_NLP_draft.pptx
@@ -4910,12 +4910,12 @@
         <p:spPr>
           <a:xfrm>
             <a:off x="290260" y="914400"/>
-            <a:ext cx="5805740" cy="5780690"/>
+            <a:ext cx="6110540" cy="5780690"/>
           </a:xfrm>
         </p:spPr>
         <p:txBody>
           <a:bodyPr>
-            <a:normAutofit/>
+            <a:normAutofit fontScale="92500" lnSpcReduction="10000"/>
           </a:bodyPr>
           <a:lstStyle/>
           <a:p>
@@ -4926,7 +4926,7 @@
               <a:buAutoNum type="arabicPeriod"/>
             </a:pPr>
             <a:r>
-              <a:rPr lang="en-US" sz="1600" dirty="0"/>
+              <a:rPr lang="en-US" sz="1800" dirty="0"/>
               <a:t>Loading the Data</a:t>
             </a:r>
           </a:p>
@@ -4938,7 +4938,7 @@
               <a:buAutoNum type="arabicPeriod"/>
             </a:pPr>
             <a:r>
-              <a:rPr lang="en-US" sz="1600" dirty="0"/>
+              <a:rPr lang="en-US" sz="1800" dirty="0"/>
               <a:t>Transforming the data: Standardize the data type</a:t>
             </a:r>
           </a:p>
@@ -4950,7 +4950,7 @@
               <a:buAutoNum type="arabicPeriod"/>
             </a:pPr>
             <a:r>
-              <a:rPr lang="en-US" sz="1600" dirty="0"/>
+              <a:rPr lang="en-US" sz="1800" dirty="0"/>
               <a:t>Cleaning the data</a:t>
             </a:r>
           </a:p>
@@ -4961,7 +4961,7 @@
               </a:lnSpc>
             </a:pPr>
             <a:r>
-              <a:rPr lang="en-US" sz="1400" dirty="0"/>
+              <a:rPr lang="en-US" sz="1600" dirty="0"/>
               <a:t>Removal of unnecessary information: URLs, non-alphabetic characters</a:t>
             </a:r>
           </a:p>
@@ -4972,7 +4972,7 @@
               </a:lnSpc>
             </a:pPr>
             <a:r>
-              <a:rPr lang="en-US" sz="1400" dirty="0"/>
+              <a:rPr lang="en-US" sz="1600" dirty="0"/>
               <a:t>Preprocessing keywords: replaced any percentage signs in the keywords with spaces, removed any numeric characters and made all the text lowercase.</a:t>
             </a:r>
           </a:p>
@@ -4983,7 +4983,7 @@
               </a:lnSpc>
             </a:pPr>
             <a:r>
-              <a:rPr lang="en-US" sz="1400" dirty="0"/>
+              <a:rPr lang="en-US" sz="1600" dirty="0"/>
               <a:t>Text normalization: lemmatization (for example, 'running' becomes 'run’), stemming</a:t>
             </a:r>
           </a:p>
@@ -4994,7 +4994,7 @@
               </a:lnSpc>
             </a:pPr>
             <a:r>
-              <a:rPr lang="en-US" sz="1400" dirty="0"/>
+              <a:rPr lang="en-US" sz="1600" dirty="0"/>
               <a:t>Removing Stop words: removed common words ('the', 'and', 'is', etc.)</a:t>
             </a:r>
           </a:p>
@@ -5005,7 +5005,7 @@
               </a:lnSpc>
             </a:pPr>
             <a:r>
-              <a:rPr lang="en-US" sz="1400" dirty="0"/>
+              <a:rPr lang="en-US" sz="1600" dirty="0"/>
               <a:t>Discarding irrelevant columns and rows: removed the 'id' and 'location' columns from our dataset</a:t>
             </a:r>
           </a:p>
@@ -5017,9 +5017,10 @@
               <a:buAutoNum type="arabicPeriod"/>
             </a:pPr>
             <a:r>
-              <a:rPr lang="en-US" sz="1600" dirty="0"/>
+              <a:rPr lang="en-US" sz="1800" dirty="0"/>
               <a:t>Splitting the test, validation, and test data</a:t>
             </a:r>
+            <a:endParaRPr lang="en-US" sz="1600" dirty="0"/>
           </a:p>
         </p:txBody>
       </p:sp>
@@ -5045,8 +5046,8 @@
         </p:blipFill>
         <p:spPr>
           <a:xfrm>
-            <a:off x="6543010" y="4540104"/>
-            <a:ext cx="5528441" cy="1449617"/>
+            <a:off x="6400800" y="4529593"/>
+            <a:ext cx="5693259" cy="1492834"/>
           </a:xfrm>
           <a:prstGeom prst="rect">
             <a:avLst/>
@@ -5075,8 +5076,8 @@
         </p:blipFill>
         <p:spPr>
           <a:xfrm>
-            <a:off x="6990022" y="1718806"/>
-            <a:ext cx="4634419" cy="1539543"/>
+            <a:off x="6831312" y="1718806"/>
+            <a:ext cx="4940273" cy="1641147"/>
           </a:xfrm>
           <a:prstGeom prst="rect">
             <a:avLst/>

--- a/DATS6202_Final_Project_Presentation_NLP_draft.pptx
+++ b/DATS6202_Final_Project_Presentation_NLP_draft.pptx
@@ -131,6 +131,75 @@
 </p:presentation>
 </file>
 
+<file path=ppt/revisionInfo.xml><?xml version="1.0" encoding="utf-8"?>
+<p1510:revInfo xmlns:a="http://schemas.openxmlformats.org/drawingml/2006/main" xmlns:r="http://schemas.openxmlformats.org/officeDocument/2006/relationships" xmlns:p1510="http://schemas.microsoft.com/office/powerpoint/2015/10/main">
+  <p1510:revLst>
+    <p1510:client id="{12E847BE-E028-4C83-AA74-ED1CD4174061}" v="193" dt="2023-06-28T17:15:52.612"/>
+  </p1510:revLst>
+</p1510:revInfo>
+</file>
+
+<file path=ppt/changesInfos/changesInfo1.xml><?xml version="1.0" encoding="utf-8"?>
+<pc:chgInfo xmlns:a="http://schemas.openxmlformats.org/drawingml/2006/main" xmlns:r="http://schemas.openxmlformats.org/officeDocument/2006/relationships" xmlns:ac="http://schemas.microsoft.com/office/drawing/2013/main/command" xmlns:pc="http://schemas.microsoft.com/office/powerpoint/2013/main/command">
+  <pc:docChgLst>
+    <pc:chgData name="Jonathan Schild" userId="dca786c6d4daafca" providerId="LiveId" clId="{12E847BE-E028-4C83-AA74-ED1CD4174061}"/>
+    <pc:docChg chg="undo redo custSel modSld">
+      <pc:chgData name="Jonathan Schild" userId="dca786c6d4daafca" providerId="LiveId" clId="{12E847BE-E028-4C83-AA74-ED1CD4174061}" dt="2023-06-28T17:16:41.283" v="889" actId="20577"/>
+      <pc:docMkLst>
+        <pc:docMk/>
+      </pc:docMkLst>
+      <pc:sldChg chg="addSp modSp mod">
+        <pc:chgData name="Jonathan Schild" userId="dca786c6d4daafca" providerId="LiveId" clId="{12E847BE-E028-4C83-AA74-ED1CD4174061}" dt="2023-06-28T17:16:41.283" v="889" actId="20577"/>
+        <pc:sldMkLst>
+          <pc:docMk/>
+          <pc:sldMk cId="146998942" sldId="261"/>
+        </pc:sldMkLst>
+        <pc:spChg chg="mod">
+          <ac:chgData name="Jonathan Schild" userId="dca786c6d4daafca" providerId="LiveId" clId="{12E847BE-E028-4C83-AA74-ED1CD4174061}" dt="2023-06-28T17:12:25.471" v="867" actId="20577"/>
+          <ac:spMkLst>
+            <pc:docMk/>
+            <pc:sldMk cId="146998942" sldId="261"/>
+            <ac:spMk id="2" creationId="{AD1821CB-FA35-DE5C-11A5-65924B468835}"/>
+          </ac:spMkLst>
+        </pc:spChg>
+        <pc:spChg chg="mod">
+          <ac:chgData name="Jonathan Schild" userId="dca786c6d4daafca" providerId="LiveId" clId="{12E847BE-E028-4C83-AA74-ED1CD4174061}" dt="2023-06-28T17:16:41.283" v="889" actId="20577"/>
+          <ac:spMkLst>
+            <pc:docMk/>
+            <pc:sldMk cId="146998942" sldId="261"/>
+            <ac:spMk id="3" creationId="{56E192EA-326B-7A4D-5294-4A74A4716961}"/>
+          </ac:spMkLst>
+        </pc:spChg>
+        <pc:picChg chg="add mod">
+          <ac:chgData name="Jonathan Schild" userId="dca786c6d4daafca" providerId="LiveId" clId="{12E847BE-E028-4C83-AA74-ED1CD4174061}" dt="2023-06-28T17:15:52.611" v="878" actId="14100"/>
+          <ac:picMkLst>
+            <pc:docMk/>
+            <pc:sldMk cId="146998942" sldId="261"/>
+            <ac:picMk id="4" creationId="{5770FBCF-BD89-F2AB-1870-5194574FF619}"/>
+          </ac:picMkLst>
+        </pc:picChg>
+        <pc:picChg chg="add mod">
+          <ac:chgData name="Jonathan Schild" userId="dca786c6d4daafca" providerId="LiveId" clId="{12E847BE-E028-4C83-AA74-ED1CD4174061}" dt="2023-06-28T17:04:09.862" v="813" actId="1076"/>
+          <ac:picMkLst>
+            <pc:docMk/>
+            <pc:sldMk cId="146998942" sldId="261"/>
+            <ac:picMk id="1026" creationId="{B0C4FA4F-BFF1-81D3-67BA-4E1622D570D1}"/>
+          </ac:picMkLst>
+        </pc:picChg>
+        <pc:picChg chg="add mod">
+          <ac:chgData name="Jonathan Schild" userId="dca786c6d4daafca" providerId="LiveId" clId="{12E847BE-E028-4C83-AA74-ED1CD4174061}" dt="2023-06-28T17:04:29.970" v="849" actId="1036"/>
+          <ac:picMkLst>
+            <pc:docMk/>
+            <pc:sldMk cId="146998942" sldId="261"/>
+            <ac:picMk id="1028" creationId="{65F86972-7ED0-232D-5CB6-C8D47CA1A8FD}"/>
+          </ac:picMkLst>
+        </pc:picChg>
+      </pc:sldChg>
+    </pc:docChg>
+  </pc:docChgLst>
+</pc:chgInfo>
+</file>
+
 <file path=ppt/slideLayouts/slideLayout1.xml><?xml version="1.0" encoding="utf-8"?>
 <p:sldLayout xmlns:a="http://schemas.openxmlformats.org/drawingml/2006/main" xmlns:r="http://schemas.openxmlformats.org/officeDocument/2006/relationships" xmlns:p="http://schemas.openxmlformats.org/presentationml/2006/main" type="title" preserve="1">
   <p:cSld name="Title Slide">
@@ -287,7 +356,7 @@
           <a:p>
             <a:fld id="{D341B595-366B-43E2-A22E-EA6A78C03F06}" type="datetimeFigureOut">
               <a:rPr lang="en-US" smtClean="0"/>
-              <a:t>6/27/23</a:t>
+              <a:t>6/28/2023</a:t>
             </a:fld>
             <a:endParaRPr lang="en-US"/>
           </a:p>
@@ -485,7 +554,7 @@
           <a:p>
             <a:fld id="{D341B595-366B-43E2-A22E-EA6A78C03F06}" type="datetimeFigureOut">
               <a:rPr lang="en-US" smtClean="0"/>
-              <a:t>6/27/23</a:t>
+              <a:t>6/28/2023</a:t>
             </a:fld>
             <a:endParaRPr lang="en-US"/>
           </a:p>
@@ -694,7 +763,7 @@
           <a:p>
             <a:fld id="{D341B595-366B-43E2-A22E-EA6A78C03F06}" type="datetimeFigureOut">
               <a:rPr lang="en-US" smtClean="0"/>
-              <a:t>6/27/23</a:t>
+              <a:t>6/28/2023</a:t>
             </a:fld>
             <a:endParaRPr lang="en-US"/>
           </a:p>
@@ -892,7 +961,7 @@
           <a:p>
             <a:fld id="{D341B595-366B-43E2-A22E-EA6A78C03F06}" type="datetimeFigureOut">
               <a:rPr lang="en-US" smtClean="0"/>
-              <a:t>6/27/23</a:t>
+              <a:t>6/28/2023</a:t>
             </a:fld>
             <a:endParaRPr lang="en-US"/>
           </a:p>
@@ -1170,7 +1239,7 @@
           <a:p>
             <a:fld id="{D341B595-366B-43E2-A22E-EA6A78C03F06}" type="datetimeFigureOut">
               <a:rPr lang="en-US" smtClean="0"/>
-              <a:t>6/27/23</a:t>
+              <a:t>6/28/2023</a:t>
             </a:fld>
             <a:endParaRPr lang="en-US"/>
           </a:p>
@@ -1438,7 +1507,7 @@
           <a:p>
             <a:fld id="{D341B595-366B-43E2-A22E-EA6A78C03F06}" type="datetimeFigureOut">
               <a:rPr lang="en-US" smtClean="0"/>
-              <a:t>6/27/23</a:t>
+              <a:t>6/28/2023</a:t>
             </a:fld>
             <a:endParaRPr lang="en-US"/>
           </a:p>
@@ -1857,7 +1926,7 @@
           <a:p>
             <a:fld id="{D341B595-366B-43E2-A22E-EA6A78C03F06}" type="datetimeFigureOut">
               <a:rPr lang="en-US" smtClean="0"/>
-              <a:t>6/27/23</a:t>
+              <a:t>6/28/2023</a:t>
             </a:fld>
             <a:endParaRPr lang="en-US"/>
           </a:p>
@@ -1998,7 +2067,7 @@
           <a:p>
             <a:fld id="{D341B595-366B-43E2-A22E-EA6A78C03F06}" type="datetimeFigureOut">
               <a:rPr lang="en-US" smtClean="0"/>
-              <a:t>6/27/23</a:t>
+              <a:t>6/28/2023</a:t>
             </a:fld>
             <a:endParaRPr lang="en-US"/>
           </a:p>
@@ -2111,7 +2180,7 @@
           <a:p>
             <a:fld id="{D341B595-366B-43E2-A22E-EA6A78C03F06}" type="datetimeFigureOut">
               <a:rPr lang="en-US" smtClean="0"/>
-              <a:t>6/27/23</a:t>
+              <a:t>6/28/2023</a:t>
             </a:fld>
             <a:endParaRPr lang="en-US"/>
           </a:p>
@@ -2426,7 +2495,7 @@
           <a:p>
             <a:fld id="{D341B595-366B-43E2-A22E-EA6A78C03F06}" type="datetimeFigureOut">
               <a:rPr lang="en-US" smtClean="0"/>
-              <a:t>6/27/23</a:t>
+              <a:t>6/28/2023</a:t>
             </a:fld>
             <a:endParaRPr lang="en-US"/>
           </a:p>
@@ -2720,7 +2789,7 @@
           <a:p>
             <a:fld id="{D341B595-366B-43E2-A22E-EA6A78C03F06}" type="datetimeFigureOut">
               <a:rPr lang="en-US" smtClean="0"/>
-              <a:t>6/27/23</a:t>
+              <a:t>6/28/2023</a:t>
             </a:fld>
             <a:endParaRPr lang="en-US"/>
           </a:p>
@@ -2960,7 +3029,7 @@
           <a:p>
             <a:fld id="{D341B595-366B-43E2-A22E-EA6A78C03F06}" type="datetimeFigureOut">
               <a:rPr lang="en-US" smtClean="0"/>
-              <a:t>6/27/23</a:t>
+              <a:t>6/28/2023</a:t>
             </a:fld>
             <a:endParaRPr lang="en-US"/>
           </a:p>
@@ -5594,7 +5663,7 @@
           <a:p>
             <a:r>
               <a:rPr lang="en-US" dirty="0"/>
-              <a:t>Modeling and Analysis</a:t>
+              <a:t>Modeling and Analysis-RNN</a:t>
             </a:r>
           </a:p>
         </p:txBody>
@@ -5615,15 +5684,338 @@
             <p:ph idx="1"/>
           </p:nvPr>
         </p:nvSpPr>
-        <p:spPr/>
-        <p:txBody>
-          <a:bodyPr/>
+        <p:spPr>
+          <a:xfrm>
+            <a:off x="652372" y="1052286"/>
+            <a:ext cx="5080771" cy="5725885"/>
+          </a:xfrm>
+        </p:spPr>
+        <p:txBody>
+          <a:bodyPr>
+            <a:normAutofit fontScale="70000" lnSpcReduction="20000"/>
+          </a:bodyPr>
           <a:lstStyle/>
           <a:p>
             <a:endParaRPr lang="en-US" dirty="0"/>
           </a:p>
-        </p:txBody>
-      </p:sp>
+          <a:p>
+            <a:r>
+              <a:rPr lang="en-US" dirty="0"/>
+              <a:t>Model</a:t>
+            </a:r>
+          </a:p>
+          <a:p>
+            <a:pPr lvl="1"/>
+            <a:r>
+              <a:rPr lang="en-US" dirty="0"/>
+              <a:t>Two inputs: tweet text and keyword data</a:t>
+            </a:r>
+          </a:p>
+          <a:p>
+            <a:pPr lvl="1"/>
+            <a:r>
+              <a:rPr lang="en-US" dirty="0"/>
+              <a:t>Stacked bidirectional LSTM layers</a:t>
+            </a:r>
+          </a:p>
+          <a:p>
+            <a:pPr lvl="2"/>
+            <a:r>
+              <a:rPr lang="en-US" i="1" dirty="0" err="1"/>
+              <a:t>Return_sequences</a:t>
+            </a:r>
+            <a:r>
+              <a:rPr lang="en-US" i="1" dirty="0"/>
+              <a:t> </a:t>
+            </a:r>
+            <a:r>
+              <a:rPr lang="en-US" dirty="0"/>
+              <a:t>TRUE</a:t>
+            </a:r>
+          </a:p>
+          <a:p>
+            <a:pPr lvl="2"/>
+            <a:r>
+              <a:rPr lang="en-US" i="1" dirty="0" err="1"/>
+              <a:t>Relu</a:t>
+            </a:r>
+            <a:r>
+              <a:rPr lang="en-US" dirty="0"/>
+              <a:t> activation function in hidden layer(s)</a:t>
+            </a:r>
+          </a:p>
+          <a:p>
+            <a:pPr lvl="2"/>
+            <a:r>
+              <a:rPr lang="en-US" i="1" dirty="0"/>
+              <a:t>Dropout</a:t>
+            </a:r>
+            <a:r>
+              <a:rPr lang="en-US" dirty="0"/>
+              <a:t> rates between .1 and .2</a:t>
+            </a:r>
+          </a:p>
+          <a:p>
+            <a:pPr lvl="2"/>
+            <a:r>
+              <a:rPr lang="en-US" dirty="0"/>
+              <a:t> </a:t>
+            </a:r>
+            <a:r>
+              <a:rPr lang="en-US" i="1" dirty="0"/>
+              <a:t>Adam</a:t>
+            </a:r>
+            <a:r>
+              <a:rPr lang="en-US" dirty="0"/>
+              <a:t> learning rate .0001</a:t>
+            </a:r>
+          </a:p>
+          <a:p>
+            <a:pPr lvl="1"/>
+            <a:r>
+              <a:rPr lang="en-US" dirty="0"/>
+              <a:t>Total params: 2,161,117</a:t>
+            </a:r>
+          </a:p>
+          <a:p>
+            <a:r>
+              <a:rPr lang="en-US" dirty="0"/>
+              <a:t>Callbacks</a:t>
+            </a:r>
+          </a:p>
+          <a:p>
+            <a:pPr lvl="1"/>
+            <a:r>
+              <a:rPr lang="en-US" dirty="0"/>
+              <a:t>Early stopping</a:t>
+            </a:r>
+          </a:p>
+          <a:p>
+            <a:pPr lvl="1"/>
+            <a:r>
+              <a:rPr lang="en-US" dirty="0"/>
+              <a:t>Learning rate .0001 reduction on plateau </a:t>
+            </a:r>
+          </a:p>
+          <a:p>
+            <a:r>
+              <a:rPr lang="en-US" dirty="0"/>
+              <a:t>Performance</a:t>
+            </a:r>
+          </a:p>
+          <a:p>
+            <a:pPr lvl="1"/>
+            <a:r>
+              <a:rPr lang="en-US" dirty="0"/>
+              <a:t>Optimal epoch 10/30</a:t>
+            </a:r>
+          </a:p>
+          <a:p>
+            <a:pPr lvl="1"/>
+            <a:r>
+              <a:rPr lang="en-US" dirty="0"/>
+              <a:t>accuracy: 0.8308</a:t>
+            </a:r>
+          </a:p>
+          <a:p>
+            <a:pPr lvl="1"/>
+            <a:r>
+              <a:rPr lang="en-US" dirty="0" err="1"/>
+              <a:t>val_loss</a:t>
+            </a:r>
+            <a:r>
+              <a:rPr lang="en-US" dirty="0"/>
+              <a:t>: 0.4364</a:t>
+            </a:r>
+          </a:p>
+          <a:p>
+            <a:pPr lvl="1"/>
+            <a:r>
+              <a:rPr lang="en-US" dirty="0" err="1"/>
+              <a:t>val_accuracy</a:t>
+            </a:r>
+            <a:r>
+              <a:rPr lang="en-US" dirty="0"/>
+              <a:t>: 0.8188</a:t>
+            </a:r>
+          </a:p>
+          <a:p>
+            <a:pPr lvl="1"/>
+            <a:r>
+              <a:rPr lang="en-US" dirty="0" err="1"/>
+              <a:t>val_precision</a:t>
+            </a:r>
+            <a:r>
+              <a:rPr lang="en-US" dirty="0"/>
+              <a:t>: 0.8512</a:t>
+            </a:r>
+          </a:p>
+          <a:p>
+            <a:pPr lvl="1"/>
+            <a:r>
+              <a:rPr lang="en-US" dirty="0" err="1"/>
+              <a:t>val_recall</a:t>
+            </a:r>
+            <a:r>
+              <a:rPr lang="en-US" dirty="0"/>
+              <a:t>: 0.6986</a:t>
+            </a:r>
+          </a:p>
+          <a:p>
+            <a:pPr lvl="1"/>
+            <a:r>
+              <a:rPr lang="en-US" dirty="0"/>
+              <a:t>F1: 0.77</a:t>
+            </a:r>
+          </a:p>
+          <a:p>
+            <a:endParaRPr lang="en-US" dirty="0"/>
+          </a:p>
+          <a:p>
+            <a:endParaRPr lang="en-US" dirty="0"/>
+          </a:p>
+          <a:p>
+            <a:endParaRPr lang="en-US" dirty="0"/>
+          </a:p>
+        </p:txBody>
+      </p:sp>
+      <p:pic>
+        <p:nvPicPr>
+          <p:cNvPr id="1026" name="Picture 2">
+            <a:extLst>
+              <a:ext uri="{FF2B5EF4-FFF2-40B4-BE49-F238E27FC236}">
+                <a16:creationId xmlns:a16="http://schemas.microsoft.com/office/drawing/2014/main" id="{B0C4FA4F-BFF1-81D3-67BA-4E1622D570D1}"/>
+              </a:ext>
+            </a:extLst>
+          </p:cNvPr>
+          <p:cNvPicPr>
+            <a:picLocks noChangeAspect="1" noChangeArrowheads="1"/>
+          </p:cNvPicPr>
+          <p:nvPr/>
+        </p:nvPicPr>
+        <p:blipFill>
+          <a:blip r:embed="rId2">
+            <a:extLst>
+              <a:ext uri="{28A0092B-C50C-407E-A947-70E740481C1C}">
+                <a14:useLocalDpi xmlns:a14="http://schemas.microsoft.com/office/drawing/2010/main" val="0"/>
+              </a:ext>
+            </a:extLst>
+          </a:blip>
+          <a:srcRect/>
+          <a:stretch>
+            <a:fillRect/>
+          </a:stretch>
+        </p:blipFill>
+        <p:spPr bwMode="auto">
+          <a:xfrm>
+            <a:off x="5101040" y="1242686"/>
+            <a:ext cx="2430034" cy="5345084"/>
+          </a:xfrm>
+          <a:prstGeom prst="rect">
+            <a:avLst/>
+          </a:prstGeom>
+          <a:noFill/>
+          <a:extLst>
+            <a:ext uri="{909E8E84-426E-40DD-AFC4-6F175D3DCCD1}">
+              <a14:hiddenFill xmlns:a14="http://schemas.microsoft.com/office/drawing/2010/main">
+                <a:solidFill>
+                  <a:srgbClr val="FFFFFF"/>
+                </a:solidFill>
+              </a14:hiddenFill>
+            </a:ext>
+          </a:extLst>
+        </p:spPr>
+      </p:pic>
+      <p:pic>
+        <p:nvPicPr>
+          <p:cNvPr id="1028" name="Picture 4">
+            <a:extLst>
+              <a:ext uri="{FF2B5EF4-FFF2-40B4-BE49-F238E27FC236}">
+                <a16:creationId xmlns:a16="http://schemas.microsoft.com/office/drawing/2014/main" id="{65F86972-7ED0-232D-5CB6-C8D47CA1A8FD}"/>
+              </a:ext>
+            </a:extLst>
+          </p:cNvPr>
+          <p:cNvPicPr>
+            <a:picLocks noChangeAspect="1" noChangeArrowheads="1"/>
+          </p:cNvPicPr>
+          <p:nvPr/>
+        </p:nvPicPr>
+        <p:blipFill rotWithShape="1">
+          <a:blip r:embed="rId3">
+            <a:extLst>
+              <a:ext uri="{28A0092B-C50C-407E-A947-70E740481C1C}">
+                <a14:useLocalDpi xmlns:a14="http://schemas.microsoft.com/office/drawing/2010/main" val="0"/>
+              </a:ext>
+            </a:extLst>
+          </a:blip>
+          <a:srcRect l="50417"/>
+          <a:stretch/>
+        </p:blipFill>
+        <p:spPr bwMode="auto">
+          <a:xfrm>
+            <a:off x="7795638" y="1399744"/>
+            <a:ext cx="4374591" cy="2437732"/>
+          </a:xfrm>
+          <a:prstGeom prst="rect">
+            <a:avLst/>
+          </a:prstGeom>
+          <a:noFill/>
+          <a:extLst>
+            <a:ext uri="{909E8E84-426E-40DD-AFC4-6F175D3DCCD1}">
+              <a14:hiddenFill xmlns:a14="http://schemas.microsoft.com/office/drawing/2010/main">
+                <a:solidFill>
+                  <a:srgbClr val="FFFFFF"/>
+                </a:solidFill>
+              </a14:hiddenFill>
+            </a:ext>
+          </a:extLst>
+        </p:spPr>
+      </p:pic>
+      <p:pic>
+        <p:nvPicPr>
+          <p:cNvPr id="4" name="Picture 4">
+            <a:extLst>
+              <a:ext uri="{FF2B5EF4-FFF2-40B4-BE49-F238E27FC236}">
+                <a16:creationId xmlns:a16="http://schemas.microsoft.com/office/drawing/2014/main" id="{5770FBCF-BD89-F2AB-1870-5194574FF619}"/>
+              </a:ext>
+            </a:extLst>
+          </p:cNvPr>
+          <p:cNvPicPr>
+            <a:picLocks noChangeAspect="1" noChangeArrowheads="1"/>
+          </p:cNvPicPr>
+          <p:nvPr/>
+        </p:nvPicPr>
+        <p:blipFill rotWithShape="1">
+          <a:blip r:embed="rId3">
+            <a:extLst>
+              <a:ext uri="{28A0092B-C50C-407E-A947-70E740481C1C}">
+                <a14:useLocalDpi xmlns:a14="http://schemas.microsoft.com/office/drawing/2010/main" val="0"/>
+              </a:ext>
+            </a:extLst>
+          </a:blip>
+          <a:srcRect r="50500"/>
+          <a:stretch/>
+        </p:blipFill>
+        <p:spPr bwMode="auto">
+          <a:xfrm>
+            <a:off x="7795625" y="3941293"/>
+            <a:ext cx="4367345" cy="2437732"/>
+          </a:xfrm>
+          <a:prstGeom prst="rect">
+            <a:avLst/>
+          </a:prstGeom>
+          <a:noFill/>
+          <a:extLst>
+            <a:ext uri="{909E8E84-426E-40DD-AFC4-6F175D3DCCD1}">
+              <a14:hiddenFill xmlns:a14="http://schemas.microsoft.com/office/drawing/2010/main">
+                <a:solidFill>
+                  <a:srgbClr val="FFFFFF"/>
+                </a:solidFill>
+              </a14:hiddenFill>
+            </a:ext>
+          </a:extLst>
+        </p:spPr>
+      </p:pic>
     </p:spTree>
     <p:extLst>
       <p:ext uri="{BB962C8B-B14F-4D97-AF65-F5344CB8AC3E}">

--- a/DATS6202_Final_Project_Presentation_NLP_draft.pptx
+++ b/DATS6202_Final_Project_Presentation_NLP_draft.pptx
@@ -134,7 +134,7 @@
 <file path=ppt/revisionInfo.xml><?xml version="1.0" encoding="utf-8"?>
 <p1510:revInfo xmlns:a="http://schemas.openxmlformats.org/drawingml/2006/main" xmlns:r="http://schemas.openxmlformats.org/officeDocument/2006/relationships" xmlns:p1510="http://schemas.microsoft.com/office/powerpoint/2015/10/main">
   <p1510:revLst>
-    <p1510:client id="{12E847BE-E028-4C83-AA74-ED1CD4174061}" v="193" dt="2023-06-28T17:15:52.612"/>
+    <p1510:client id="{12E847BE-E028-4C83-AA74-ED1CD4174061}" v="195" dt="2023-06-28T19:44:17.038"/>
   </p1510:revLst>
 </p1510:revInfo>
 </file>
@@ -144,10 +144,89 @@
   <pc:docChgLst>
     <pc:chgData name="Jonathan Schild" userId="dca786c6d4daafca" providerId="LiveId" clId="{12E847BE-E028-4C83-AA74-ED1CD4174061}"/>
     <pc:docChg chg="undo redo custSel modSld">
-      <pc:chgData name="Jonathan Schild" userId="dca786c6d4daafca" providerId="LiveId" clId="{12E847BE-E028-4C83-AA74-ED1CD4174061}" dt="2023-06-28T17:16:41.283" v="889" actId="20577"/>
+      <pc:chgData name="Jonathan Schild" userId="dca786c6d4daafca" providerId="LiveId" clId="{12E847BE-E028-4C83-AA74-ED1CD4174061}" dt="2023-06-28T20:04:45.736" v="1406" actId="1037"/>
       <pc:docMkLst>
         <pc:docMk/>
       </pc:docMkLst>
+      <pc:sldChg chg="addSp delSp modSp mod">
+        <pc:chgData name="Jonathan Schild" userId="dca786c6d4daafca" providerId="LiveId" clId="{12E847BE-E028-4C83-AA74-ED1CD4174061}" dt="2023-06-28T20:04:45.736" v="1406" actId="1037"/>
+        <pc:sldMkLst>
+          <pc:docMk/>
+          <pc:sldMk cId="2201994716" sldId="258"/>
+        </pc:sldMkLst>
+        <pc:spChg chg="mod">
+          <ac:chgData name="Jonathan Schild" userId="dca786c6d4daafca" providerId="LiveId" clId="{12E847BE-E028-4C83-AA74-ED1CD4174061}" dt="2023-06-28T20:03:57.478" v="1398" actId="11"/>
+          <ac:spMkLst>
+            <pc:docMk/>
+            <pc:sldMk cId="2201994716" sldId="258"/>
+            <ac:spMk id="3" creationId="{56E192EA-326B-7A4D-5294-4A74A4716961}"/>
+          </ac:spMkLst>
+        </pc:spChg>
+        <pc:spChg chg="mod">
+          <ac:chgData name="Jonathan Schild" userId="dca786c6d4daafca" providerId="LiveId" clId="{12E847BE-E028-4C83-AA74-ED1CD4174061}" dt="2023-06-28T20:04:45.736" v="1406" actId="1037"/>
+          <ac:spMkLst>
+            <pc:docMk/>
+            <pc:sldMk cId="2201994716" sldId="258"/>
+            <ac:spMk id="6" creationId="{D5D3414F-33B4-76C3-D8BD-190B86686572}"/>
+          </ac:spMkLst>
+        </pc:spChg>
+        <pc:spChg chg="add del">
+          <ac:chgData name="Jonathan Schild" userId="dca786c6d4daafca" providerId="LiveId" clId="{12E847BE-E028-4C83-AA74-ED1CD4174061}" dt="2023-06-28T19:40:47.126" v="1069" actId="22"/>
+          <ac:spMkLst>
+            <pc:docMk/>
+            <pc:sldMk cId="2201994716" sldId="258"/>
+            <ac:spMk id="8" creationId="{15A012AF-3A4F-BC67-5206-4862E1533734}"/>
+          </ac:spMkLst>
+        </pc:spChg>
+        <pc:spChg chg="mod">
+          <ac:chgData name="Jonathan Schild" userId="dca786c6d4daafca" providerId="LiveId" clId="{12E847BE-E028-4C83-AA74-ED1CD4174061}" dt="2023-06-28T19:44:06.962" v="1255" actId="27636"/>
+          <ac:spMkLst>
+            <pc:docMk/>
+            <pc:sldMk cId="2201994716" sldId="258"/>
+            <ac:spMk id="11" creationId="{7858EAE8-E363-25DE-DCBF-2EE43CEE7724}"/>
+          </ac:spMkLst>
+        </pc:spChg>
+        <pc:spChg chg="add mod">
+          <ac:chgData name="Jonathan Schild" userId="dca786c6d4daafca" providerId="LiveId" clId="{12E847BE-E028-4C83-AA74-ED1CD4174061}" dt="2023-06-28T19:44:17.038" v="1268" actId="571"/>
+          <ac:spMkLst>
+            <pc:docMk/>
+            <pc:sldMk cId="2201994716" sldId="258"/>
+            <ac:spMk id="13" creationId="{0DC906E9-E13A-7F5E-75AC-0FACB6D2F514}"/>
+          </ac:spMkLst>
+        </pc:spChg>
+        <pc:picChg chg="mod">
+          <ac:chgData name="Jonathan Schild" userId="dca786c6d4daafca" providerId="LiveId" clId="{12E847BE-E028-4C83-AA74-ED1CD4174061}" dt="2023-06-28T19:44:02.184" v="1253" actId="1076"/>
+          <ac:picMkLst>
+            <pc:docMk/>
+            <pc:sldMk cId="2201994716" sldId="258"/>
+            <ac:picMk id="4" creationId="{C2DC3D64-9D3F-F228-A58B-625C1F594766}"/>
+          </ac:picMkLst>
+        </pc:picChg>
+        <pc:picChg chg="mod">
+          <ac:chgData name="Jonathan Schild" userId="dca786c6d4daafca" providerId="LiveId" clId="{12E847BE-E028-4C83-AA74-ED1CD4174061}" dt="2023-06-28T20:04:45.736" v="1406" actId="1037"/>
+          <ac:picMkLst>
+            <pc:docMk/>
+            <pc:sldMk cId="2201994716" sldId="258"/>
+            <ac:picMk id="5" creationId="{5717B31A-B570-82EB-ECC2-32A7AC1DE2B7}"/>
+          </ac:picMkLst>
+        </pc:picChg>
+        <pc:picChg chg="add mod">
+          <ac:chgData name="Jonathan Schild" userId="dca786c6d4daafca" providerId="LiveId" clId="{12E847BE-E028-4C83-AA74-ED1CD4174061}" dt="2023-06-28T19:44:36.205" v="1322" actId="14100"/>
+          <ac:picMkLst>
+            <pc:docMk/>
+            <pc:sldMk cId="2201994716" sldId="258"/>
+            <ac:picMk id="10" creationId="{4BA3F92E-0C77-34AE-0874-60B9CA0A4A68}"/>
+          </ac:picMkLst>
+        </pc:picChg>
+        <pc:picChg chg="add mod">
+          <ac:chgData name="Jonathan Schild" userId="dca786c6d4daafca" providerId="LiveId" clId="{12E847BE-E028-4C83-AA74-ED1CD4174061}" dt="2023-06-28T19:44:17.038" v="1268" actId="571"/>
+          <ac:picMkLst>
+            <pc:docMk/>
+            <pc:sldMk cId="2201994716" sldId="258"/>
+            <ac:picMk id="12" creationId="{D9F05928-B5A0-0460-EC34-94F884047161}"/>
+          </ac:picMkLst>
+        </pc:picChg>
+      </pc:sldChg>
       <pc:sldChg chg="addSp modSp mod">
         <pc:chgData name="Jonathan Schild" userId="dca786c6d4daafca" providerId="LiveId" clId="{12E847BE-E028-4C83-AA74-ED1CD4174061}" dt="2023-06-28T17:16:41.283" v="889" actId="20577"/>
         <pc:sldMkLst>
@@ -4984,7 +5063,7 @@
         </p:spPr>
         <p:txBody>
           <a:bodyPr>
-            <a:normAutofit fontScale="92500" lnSpcReduction="10000"/>
+            <a:normAutofit lnSpcReduction="10000"/>
           </a:bodyPr>
           <a:lstStyle/>
           <a:p>
@@ -4996,7 +5075,7 @@
             </a:pPr>
             <a:r>
               <a:rPr lang="en-US" sz="1800" dirty="0"/>
-              <a:t>Loading the Data</a:t>
+              <a:t>Setting up the data</a:t>
             </a:r>
           </a:p>
           <a:p>
@@ -5008,7 +5087,61 @@
             </a:pPr>
             <a:r>
               <a:rPr lang="en-US" sz="1800" dirty="0"/>
-              <a:t>Transforming the data: Standardize the data type</a:t>
+              <a:t>Cleaning the data</a:t>
+            </a:r>
+          </a:p>
+          <a:p>
+            <a:pPr lvl="1">
+              <a:lnSpc>
+                <a:spcPct val="150000"/>
+              </a:lnSpc>
+            </a:pPr>
+            <a:r>
+              <a:rPr lang="en-US" sz="1400" dirty="0"/>
+              <a:t>Removal of URLs, non-alphabetic characters, unnecessary spaces; lowercase all text</a:t>
+            </a:r>
+          </a:p>
+          <a:p>
+            <a:pPr lvl="1">
+              <a:lnSpc>
+                <a:spcPct val="150000"/>
+              </a:lnSpc>
+            </a:pPr>
+            <a:r>
+              <a:rPr lang="en-US" sz="1400" dirty="0"/>
+              <a:t>Text normalization: lemmatization </a:t>
+            </a:r>
+            <a:r>
+              <a:rPr lang="en-US" sz="1400" dirty="0">
+                <a:sym typeface="Wingdings" panose="05000000000000000000" pitchFamily="2" charset="2"/>
+              </a:rPr>
+              <a:t> </a:t>
+            </a:r>
+            <a:r>
+              <a:rPr lang="en-US" sz="1400" dirty="0"/>
+              <a:t>stemming</a:t>
+            </a:r>
+          </a:p>
+          <a:p>
+            <a:pPr lvl="1">
+              <a:lnSpc>
+                <a:spcPct val="150000"/>
+              </a:lnSpc>
+            </a:pPr>
+            <a:r>
+              <a:rPr lang="en-US" sz="1400" dirty="0"/>
+              <a:t>Removing uncommon/stop words ('the', 'and', 'is', etc.)</a:t>
+            </a:r>
+          </a:p>
+          <a:p>
+            <a:pPr lvl="1">
+              <a:lnSpc>
+                <a:spcPct val="150000"/>
+              </a:lnSpc>
+            </a:pPr>
+            <a:r>
+              <a:rPr lang="en-US" sz="1400" dirty="0"/>
+              <a:t>Discarding irrelevant columns and rows: removed the 'id' and 'location' columns from our dataset</a:t>
             </a:r>
           </a:p>
           <a:p>
@@ -5020,7 +5153,7 @@
             </a:pPr>
             <a:r>
               <a:rPr lang="en-US" sz="1800" dirty="0"/>
-              <a:t>Cleaning the data</a:t>
+              <a:t>Splitting the test, validation, and test data</a:t>
             </a:r>
           </a:p>
           <a:p>
@@ -5030,8 +5163,8 @@
               </a:lnSpc>
             </a:pPr>
             <a:r>
-              <a:rPr lang="en-US" sz="1600" dirty="0"/>
-              <a:t>Removal of unnecessary information: URLs, non-alphabetic characters</a:t>
+              <a:rPr lang="en-US" sz="1400" dirty="0"/>
+              <a:t>Stratify by both target and keyword</a:t>
             </a:r>
           </a:p>
           <a:p>
@@ -5041,8 +5174,34 @@
               </a:lnSpc>
             </a:pPr>
             <a:r>
-              <a:rPr lang="en-US" sz="1600" dirty="0"/>
-              <a:t>Preprocessing keywords: replaced any percentage signs in the keywords with spaces, removed any numeric characters and made all the text lowercase.</a:t>
+              <a:rPr lang="en-US" sz="1400" dirty="0"/>
+              <a:t>Target balance:</a:t>
+            </a:r>
+          </a:p>
+          <a:p>
+            <a:pPr marL="1371600" lvl="2" indent="-457200">
+              <a:lnSpc>
+                <a:spcPct val="150000"/>
+              </a:lnSpc>
+              <a:buFont typeface="+mj-lt"/>
+              <a:buAutoNum type="alphaLcParenR"/>
+            </a:pPr>
+            <a:r>
+              <a:rPr lang="en-US" sz="1200" dirty="0"/>
+              <a:t>Training: 43% disaster (1)</a:t>
+            </a:r>
+          </a:p>
+          <a:p>
+            <a:pPr marL="1371600" lvl="2" indent="-457200">
+              <a:lnSpc>
+                <a:spcPct val="150000"/>
+              </a:lnSpc>
+              <a:buFont typeface="+mj-lt"/>
+              <a:buAutoNum type="alphaLcParenR"/>
+            </a:pPr>
+            <a:r>
+              <a:rPr lang="en-US" sz="1200" dirty="0"/>
+              <a:t>Validation: 43% disaster (1)</a:t>
             </a:r>
           </a:p>
           <a:p>
@@ -5052,44 +5211,22 @@
               </a:lnSpc>
             </a:pPr>
             <a:r>
-              <a:rPr lang="en-US" sz="1600" dirty="0"/>
-              <a:t>Text normalization: lemmatization (for example, 'running' becomes 'run’), stemming</a:t>
-            </a:r>
-          </a:p>
-          <a:p>
-            <a:pPr lvl="1">
+              <a:rPr lang="en-US" sz="1400" dirty="0"/>
+              <a:t>Keyword</a:t>
+            </a:r>
+          </a:p>
+          <a:p>
+            <a:pPr lvl="2">
               <a:lnSpc>
                 <a:spcPct val="150000"/>
               </a:lnSpc>
+              <a:buFont typeface="+mj-lt"/>
+              <a:buAutoNum type="alphaLcParenR"/>
             </a:pPr>
             <a:r>
-              <a:rPr lang="en-US" sz="1600" dirty="0"/>
-              <a:t>Removing Stop words: removed common words ('the', 'and', 'is', etc.)</a:t>
-            </a:r>
-          </a:p>
-          <a:p>
-            <a:pPr lvl="1">
-              <a:lnSpc>
-                <a:spcPct val="150000"/>
-              </a:lnSpc>
-            </a:pPr>
-            <a:r>
-              <a:rPr lang="en-US" sz="1600" dirty="0"/>
-              <a:t>Discarding irrelevant columns and rows: removed the 'id' and 'location' columns from our dataset</a:t>
-            </a:r>
-          </a:p>
-          <a:p>
-            <a:pPr marL="457200" indent="-457200">
-              <a:lnSpc>
-                <a:spcPct val="150000"/>
-              </a:lnSpc>
-              <a:buAutoNum type="arabicPeriod"/>
-            </a:pPr>
-            <a:r>
-              <a:rPr lang="en-US" sz="1800" dirty="0"/>
-              <a:t>Splitting the test, validation, and test data</a:t>
-            </a:r>
-            <a:endParaRPr lang="en-US" sz="1600" dirty="0"/>
+              <a:rPr lang="en-US" sz="1200" dirty="0"/>
+              <a:t>166 unique keywords; same for all datasets</a:t>
+            </a:r>
           </a:p>
         </p:txBody>
       </p:sp>
@@ -5115,7 +5252,7 @@
         </p:blipFill>
         <p:spPr>
           <a:xfrm>
-            <a:off x="6400800" y="4529593"/>
+            <a:off x="12300857" y="5039283"/>
             <a:ext cx="5693259" cy="1492834"/>
           </a:xfrm>
           <a:prstGeom prst="rect">
@@ -5145,7 +5282,7 @@
         </p:blipFill>
         <p:spPr>
           <a:xfrm>
-            <a:off x="6831312" y="1718806"/>
+            <a:off x="6771311" y="1250457"/>
             <a:ext cx="4940273" cy="1641147"/>
           </a:xfrm>
           <a:prstGeom prst="rect">
@@ -5169,7 +5306,7 @@
         </p:nvSpPr>
         <p:spPr>
           <a:xfrm>
-            <a:off x="7378902" y="1253834"/>
+            <a:off x="7319430" y="785485"/>
             <a:ext cx="3688492" cy="375745"/>
           </a:xfrm>
           <a:prstGeom prst="rect">
@@ -5178,7 +5315,7 @@
         </p:spPr>
         <p:txBody>
           <a:bodyPr vert="horz" lIns="91440" tIns="45720" rIns="91440" bIns="45720" rtlCol="0">
-            <a:normAutofit fontScale="92500" lnSpcReduction="20000"/>
+            <a:normAutofit fontScale="92500" lnSpcReduction="10000"/>
           </a:bodyPr>
           <a:lstStyle>
             <a:lvl1pPr marL="228600" indent="-228600" algn="l" defTabSz="914400" rtl="0" eaLnBrk="1" latinLnBrk="0" hangingPunct="1">
@@ -5394,7 +5531,7 @@
         </p:nvSpPr>
         <p:spPr>
           <a:xfrm>
-            <a:off x="6543010" y="4075132"/>
+            <a:off x="12383265" y="4171776"/>
             <a:ext cx="5528441" cy="375745"/>
           </a:xfrm>
           <a:prstGeom prst="rect">
@@ -5403,7 +5540,7 @@
         </p:spPr>
         <p:txBody>
           <a:bodyPr vert="horz" lIns="91440" tIns="45720" rIns="91440" bIns="45720" rtlCol="0">
-            <a:normAutofit fontScale="92500" lnSpcReduction="20000"/>
+            <a:normAutofit fontScale="92500" lnSpcReduction="10000"/>
           </a:bodyPr>
           <a:lstStyle>
             <a:lvl1pPr marL="228600" indent="-228600" algn="l" defTabSz="914400" rtl="0" eaLnBrk="1" latinLnBrk="0" hangingPunct="1">
@@ -5603,6 +5740,36 @@
           </a:p>
         </p:txBody>
       </p:sp>
+      <p:pic>
+        <p:nvPicPr>
+          <p:cNvPr id="10" name="Picture 9">
+            <a:extLst>
+              <a:ext uri="{FF2B5EF4-FFF2-40B4-BE49-F238E27FC236}">
+                <a16:creationId xmlns:a16="http://schemas.microsoft.com/office/drawing/2014/main" id="{4BA3F92E-0C77-34AE-0874-60B9CA0A4A68}"/>
+              </a:ext>
+            </a:extLst>
+          </p:cNvPr>
+          <p:cNvPicPr>
+            <a:picLocks noChangeAspect="1"/>
+          </p:cNvPicPr>
+          <p:nvPr/>
+        </p:nvPicPr>
+        <p:blipFill>
+          <a:blip r:embed="rId4"/>
+          <a:stretch>
+            <a:fillRect/>
+          </a:stretch>
+        </p:blipFill>
+        <p:spPr>
+          <a:xfrm>
+            <a:off x="6170346" y="3308196"/>
+            <a:ext cx="5882586" cy="3431508"/>
+          </a:xfrm>
+          <a:prstGeom prst="rect">
+            <a:avLst/>
+          </a:prstGeom>
+        </p:spPr>
+      </p:pic>
     </p:spTree>
     <p:extLst>
       <p:ext uri="{BB962C8B-B14F-4D97-AF65-F5344CB8AC3E}">

--- a/DATS6202_Final_Project_Presentation_NLP_draft.pptx
+++ b/DATS6202_Final_Project_Presentation_NLP_draft.pptx
@@ -134,7 +134,7 @@
 <file path=ppt/revisionInfo.xml><?xml version="1.0" encoding="utf-8"?>
 <p1510:revInfo xmlns:a="http://schemas.openxmlformats.org/drawingml/2006/main" xmlns:r="http://schemas.openxmlformats.org/officeDocument/2006/relationships" xmlns:p1510="http://schemas.microsoft.com/office/powerpoint/2015/10/main">
   <p1510:revLst>
-    <p1510:client id="{12E847BE-E028-4C83-AA74-ED1CD4174061}" v="195" dt="2023-06-28T19:44:17.038"/>
+    <p1510:client id="{12E847BE-E028-4C83-AA74-ED1CD4174061}" v="304" dt="2023-06-28T20:06:37.298"/>
   </p1510:revLst>
 </p1510:revInfo>
 </file>
@@ -144,7 +144,7 @@
   <pc:docChgLst>
     <pc:chgData name="Jonathan Schild" userId="dca786c6d4daafca" providerId="LiveId" clId="{12E847BE-E028-4C83-AA74-ED1CD4174061}"/>
     <pc:docChg chg="undo redo custSel modSld">
-      <pc:chgData name="Jonathan Schild" userId="dca786c6d4daafca" providerId="LiveId" clId="{12E847BE-E028-4C83-AA74-ED1CD4174061}" dt="2023-06-28T20:04:45.736" v="1406" actId="1037"/>
+      <pc:chgData name="Jonathan Schild" userId="dca786c6d4daafca" providerId="LiveId" clId="{12E847BE-E028-4C83-AA74-ED1CD4174061}" dt="2023-06-28T20:06:37.298" v="1515" actId="1036"/>
       <pc:docMkLst>
         <pc:docMk/>
       </pc:docMkLst>
@@ -228,7 +228,7 @@
         </pc:picChg>
       </pc:sldChg>
       <pc:sldChg chg="addSp modSp mod">
-        <pc:chgData name="Jonathan Schild" userId="dca786c6d4daafca" providerId="LiveId" clId="{12E847BE-E028-4C83-AA74-ED1CD4174061}" dt="2023-06-28T17:16:41.283" v="889" actId="20577"/>
+        <pc:chgData name="Jonathan Schild" userId="dca786c6d4daafca" providerId="LiveId" clId="{12E847BE-E028-4C83-AA74-ED1CD4174061}" dt="2023-06-28T20:06:37.298" v="1515" actId="1036"/>
         <pc:sldMkLst>
           <pc:docMk/>
           <pc:sldMk cId="146998942" sldId="261"/>
@@ -250,7 +250,7 @@
           </ac:spMkLst>
         </pc:spChg>
         <pc:picChg chg="add mod">
-          <ac:chgData name="Jonathan Schild" userId="dca786c6d4daafca" providerId="LiveId" clId="{12E847BE-E028-4C83-AA74-ED1CD4174061}" dt="2023-06-28T17:15:52.611" v="878" actId="14100"/>
+          <ac:chgData name="Jonathan Schild" userId="dca786c6d4daafca" providerId="LiveId" clId="{12E847BE-E028-4C83-AA74-ED1CD4174061}" dt="2023-06-28T20:06:37.298" v="1515" actId="1036"/>
           <ac:picMkLst>
             <pc:docMk/>
             <pc:sldMk cId="146998942" sldId="261"/>
@@ -258,7 +258,7 @@
           </ac:picMkLst>
         </pc:picChg>
         <pc:picChg chg="add mod">
-          <ac:chgData name="Jonathan Schild" userId="dca786c6d4daafca" providerId="LiveId" clId="{12E847BE-E028-4C83-AA74-ED1CD4174061}" dt="2023-06-28T17:04:09.862" v="813" actId="1076"/>
+          <ac:chgData name="Jonathan Schild" userId="dca786c6d4daafca" providerId="LiveId" clId="{12E847BE-E028-4C83-AA74-ED1CD4174061}" dt="2023-06-28T20:05:48.399" v="1433" actId="1038"/>
           <ac:picMkLst>
             <pc:docMk/>
             <pc:sldMk cId="146998942" sldId="261"/>
@@ -266,7 +266,7 @@
           </ac:picMkLst>
         </pc:picChg>
         <pc:picChg chg="add mod">
-          <ac:chgData name="Jonathan Schild" userId="dca786c6d4daafca" providerId="LiveId" clId="{12E847BE-E028-4C83-AA74-ED1CD4174061}" dt="2023-06-28T17:04:29.970" v="849" actId="1036"/>
+          <ac:chgData name="Jonathan Schild" userId="dca786c6d4daafca" providerId="LiveId" clId="{12E847BE-E028-4C83-AA74-ED1CD4174061}" dt="2023-06-28T20:06:37.298" v="1515" actId="1036"/>
           <ac:picMkLst>
             <pc:docMk/>
             <pc:sldMk cId="146998942" sldId="261"/>
@@ -6075,7 +6075,7 @@
         </p:blipFill>
         <p:spPr bwMode="auto">
           <a:xfrm>
-            <a:off x="5101040" y="1242686"/>
+            <a:off x="4607554" y="1242686"/>
             <a:ext cx="2430034" cy="5345084"/>
           </a:xfrm>
           <a:prstGeom prst="rect">
@@ -6120,8 +6120,8 @@
         </p:blipFill>
         <p:spPr bwMode="auto">
           <a:xfrm>
-            <a:off x="7795638" y="1399744"/>
-            <a:ext cx="4374591" cy="2437732"/>
+            <a:off x="7178782" y="1298145"/>
+            <a:ext cx="4768073" cy="2656999"/>
           </a:xfrm>
           <a:prstGeom prst="rect">
             <a:avLst/>
@@ -6165,8 +6165,8 @@
         </p:blipFill>
         <p:spPr bwMode="auto">
           <a:xfrm>
-            <a:off x="7795625" y="3941293"/>
-            <a:ext cx="4367345" cy="2437732"/>
+            <a:off x="7178782" y="4014557"/>
+            <a:ext cx="4768073" cy="2661407"/>
           </a:xfrm>
           <a:prstGeom prst="rect">
             <a:avLst/>

--- a/DATS6202_Final_Project_Presentation_NLP_draft.pptx
+++ b/DATS6202_Final_Project_Presentation_NLP_draft.pptx
@@ -144,7 +144,7 @@
   <pc:docChgLst>
     <pc:chgData name="Jonathan Schild" userId="dca786c6d4daafca" providerId="LiveId" clId="{12E847BE-E028-4C83-AA74-ED1CD4174061}"/>
     <pc:docChg chg="undo redo custSel modSld">
-      <pc:chgData name="Jonathan Schild" userId="dca786c6d4daafca" providerId="LiveId" clId="{12E847BE-E028-4C83-AA74-ED1CD4174061}" dt="2023-06-28T20:06:37.298" v="1515" actId="1036"/>
+      <pc:chgData name="Jonathan Schild" userId="dca786c6d4daafca" providerId="LiveId" clId="{12E847BE-E028-4C83-AA74-ED1CD4174061}" dt="2023-06-28T20:11:21.374" v="1704" actId="14100"/>
       <pc:docMkLst>
         <pc:docMk/>
       </pc:docMkLst>
@@ -226,6 +226,29 @@
             <ac:picMk id="12" creationId="{D9F05928-B5A0-0460-EC34-94F884047161}"/>
           </ac:picMkLst>
         </pc:picChg>
+      </pc:sldChg>
+      <pc:sldChg chg="modSp mod">
+        <pc:chgData name="Jonathan Schild" userId="dca786c6d4daafca" providerId="LiveId" clId="{12E847BE-E028-4C83-AA74-ED1CD4174061}" dt="2023-06-28T20:11:21.374" v="1704" actId="14100"/>
+        <pc:sldMkLst>
+          <pc:docMk/>
+          <pc:sldMk cId="639049962" sldId="260"/>
+        </pc:sldMkLst>
+        <pc:spChg chg="mod">
+          <ac:chgData name="Jonathan Schild" userId="dca786c6d4daafca" providerId="LiveId" clId="{12E847BE-E028-4C83-AA74-ED1CD4174061}" dt="2023-06-28T20:11:21.374" v="1704" actId="14100"/>
+          <ac:spMkLst>
+            <pc:docMk/>
+            <pc:sldMk cId="639049962" sldId="260"/>
+            <ac:spMk id="3" creationId="{0A040C1C-C191-B31E-A9A0-3120F331FC21}"/>
+          </ac:spMkLst>
+        </pc:spChg>
+        <pc:spChg chg="mod">
+          <ac:chgData name="Jonathan Schild" userId="dca786c6d4daafca" providerId="LiveId" clId="{12E847BE-E028-4C83-AA74-ED1CD4174061}" dt="2023-06-28T20:10:33.224" v="1632" actId="20577"/>
+          <ac:spMkLst>
+            <pc:docMk/>
+            <pc:sldMk cId="639049962" sldId="260"/>
+            <ac:spMk id="8" creationId="{474D4EDC-6FC8-5911-9E03-8957B2A7B447}"/>
+          </ac:spMkLst>
+        </pc:spChg>
       </pc:sldChg>
       <pc:sldChg chg="addSp modSp mod">
         <pc:chgData name="Jonathan Schild" userId="dca786c6d4daafca" providerId="LiveId" clId="{12E847BE-E028-4C83-AA74-ED1CD4174061}" dt="2023-06-28T20:06:37.298" v="1515" actId="1036"/>
@@ -4410,7 +4433,17 @@
             </a:pPr>
             <a:r>
               <a:rPr lang="en-US" dirty="0"/>
-              <a:t>Features: 3 main features for each Tweet (Text, Keywords, and Location)</a:t>
+              <a:t>2 Datasets provided: training, test</a:t>
+            </a:r>
+          </a:p>
+          <a:p>
+            <a:pPr lvl="1">
+              <a:buFontTx/>
+              <a:buChar char="-"/>
+            </a:pPr>
+            <a:r>
+              <a:rPr lang="en-US" dirty="0"/>
+              <a:t>Three main features: text (tweet), keywords, location</a:t>
             </a:r>
           </a:p>
           <a:p>
@@ -4503,7 +4536,7 @@
         <p:spPr>
           <a:xfrm>
             <a:off x="647997" y="5720138"/>
-            <a:ext cx="6821215" cy="972018"/>
+            <a:ext cx="7683203" cy="972018"/>
           </a:xfrm>
           <a:prstGeom prst="rect">
             <a:avLst/>
@@ -4703,7 +4736,7 @@
             </a:pPr>
             <a:r>
               <a:rPr lang="en-US" dirty="0"/>
-              <a:t>- The goal of this Kaggle Competition is using the features to predict the tweet is about a real disaster or not.</a:t>
+              <a:t>- Goal: predict whether the tweet is about a real disaster or not.</a:t>
             </a:r>
           </a:p>
           <a:p>

--- a/DATS6202_Final_Project_Presentation_NLP_draft.pptx
+++ b/DATS6202_Final_Project_Presentation_NLP_draft.pptx
@@ -134,7 +134,7 @@
 <file path=ppt/revisionInfo.xml><?xml version="1.0" encoding="utf-8"?>
 <p1510:revInfo xmlns:a="http://schemas.openxmlformats.org/drawingml/2006/main" xmlns:r="http://schemas.openxmlformats.org/officeDocument/2006/relationships" xmlns:p1510="http://schemas.microsoft.com/office/powerpoint/2015/10/main">
   <p1510:revLst>
-    <p1510:client id="{12E847BE-E028-4C83-AA74-ED1CD4174061}" v="304" dt="2023-06-28T20:06:37.298"/>
+    <p1510:client id="{12E847BE-E028-4C83-AA74-ED1CD4174061}" v="314" dt="2023-06-29T01:43:43.586"/>
   </p1510:revLst>
 </p1510:revInfo>
 </file>
@@ -144,7 +144,7 @@
   <pc:docChgLst>
     <pc:chgData name="Jonathan Schild" userId="dca786c6d4daafca" providerId="LiveId" clId="{12E847BE-E028-4C83-AA74-ED1CD4174061}"/>
     <pc:docChg chg="undo redo custSel modSld">
-      <pc:chgData name="Jonathan Schild" userId="dca786c6d4daafca" providerId="LiveId" clId="{12E847BE-E028-4C83-AA74-ED1CD4174061}" dt="2023-06-28T20:11:21.374" v="1704" actId="14100"/>
+      <pc:chgData name="Jonathan Schild" userId="dca786c6d4daafca" providerId="LiveId" clId="{12E847BE-E028-4C83-AA74-ED1CD4174061}" dt="2023-06-29T01:43:43.586" v="1714" actId="1035"/>
       <pc:docMkLst>
         <pc:docMk/>
       </pc:docMkLst>
@@ -251,7 +251,7 @@
         </pc:spChg>
       </pc:sldChg>
       <pc:sldChg chg="addSp modSp mod">
-        <pc:chgData name="Jonathan Schild" userId="dca786c6d4daafca" providerId="LiveId" clId="{12E847BE-E028-4C83-AA74-ED1CD4174061}" dt="2023-06-28T20:06:37.298" v="1515" actId="1036"/>
+        <pc:chgData name="Jonathan Schild" userId="dca786c6d4daafca" providerId="LiveId" clId="{12E847BE-E028-4C83-AA74-ED1CD4174061}" dt="2023-06-29T01:43:43.586" v="1714" actId="1035"/>
         <pc:sldMkLst>
           <pc:docMk/>
           <pc:sldMk cId="146998942" sldId="261"/>
@@ -273,7 +273,7 @@
           </ac:spMkLst>
         </pc:spChg>
         <pc:picChg chg="add mod">
-          <ac:chgData name="Jonathan Schild" userId="dca786c6d4daafca" providerId="LiveId" clId="{12E847BE-E028-4C83-AA74-ED1CD4174061}" dt="2023-06-28T20:06:37.298" v="1515" actId="1036"/>
+          <ac:chgData name="Jonathan Schild" userId="dca786c6d4daafca" providerId="LiveId" clId="{12E847BE-E028-4C83-AA74-ED1CD4174061}" dt="2023-06-29T01:43:43.586" v="1714" actId="1035"/>
           <ac:picMkLst>
             <pc:docMk/>
             <pc:sldMk cId="146998942" sldId="261"/>
@@ -289,7 +289,7 @@
           </ac:picMkLst>
         </pc:picChg>
         <pc:picChg chg="add mod">
-          <ac:chgData name="Jonathan Schild" userId="dca786c6d4daafca" providerId="LiveId" clId="{12E847BE-E028-4C83-AA74-ED1CD4174061}" dt="2023-06-28T20:06:37.298" v="1515" actId="1036"/>
+          <ac:chgData name="Jonathan Schild" userId="dca786c6d4daafca" providerId="LiveId" clId="{12E847BE-E028-4C83-AA74-ED1CD4174061}" dt="2023-06-29T01:43:43.586" v="1714" actId="1035"/>
           <ac:picMkLst>
             <pc:docMk/>
             <pc:sldMk cId="146998942" sldId="261"/>
@@ -6153,7 +6153,7 @@
         </p:blipFill>
         <p:spPr bwMode="auto">
           <a:xfrm>
-            <a:off x="7178782" y="1298145"/>
+            <a:off x="7178782" y="1225575"/>
             <a:ext cx="4768073" cy="2656999"/>
           </a:xfrm>
           <a:prstGeom prst="rect">
@@ -6198,7 +6198,7 @@
         </p:blipFill>
         <p:spPr bwMode="auto">
           <a:xfrm>
-            <a:off x="7178782" y="4014557"/>
+            <a:off x="7178782" y="3941987"/>
             <a:ext cx="4768073" cy="2661407"/>
           </a:xfrm>
           <a:prstGeom prst="rect">
